--- a/DockerAndKubernetes/DockerAndKubernetes.pptx
+++ b/DockerAndKubernetes/DockerAndKubernetes.pptx
@@ -4,18 +4,25 @@
   <p:sldMasterIdLst>
     <p:sldMasterId id="2147483648" r:id="rId1"/>
   </p:sldMasterIdLst>
+  <p:notesMasterIdLst>
+    <p:notesMasterId r:id="rId17"/>
+  </p:notesMasterIdLst>
   <p:sldIdLst>
-    <p:sldId id="256" r:id="rId2"/>
-    <p:sldId id="257" r:id="rId3"/>
-    <p:sldId id="258" r:id="rId4"/>
-    <p:sldId id="261" r:id="rId5"/>
-    <p:sldId id="262" r:id="rId6"/>
-    <p:sldId id="260" r:id="rId7"/>
-    <p:sldId id="263" r:id="rId8"/>
-    <p:sldId id="264" r:id="rId9"/>
-    <p:sldId id="265" r:id="rId10"/>
-    <p:sldId id="266" r:id="rId11"/>
-    <p:sldId id="267" r:id="rId12"/>
+    <p:sldId id="2173" r:id="rId2"/>
+    <p:sldId id="268" r:id="rId3"/>
+    <p:sldId id="2172" r:id="rId4"/>
+    <p:sldId id="2174" r:id="rId5"/>
+    <p:sldId id="256" r:id="rId6"/>
+    <p:sldId id="257" r:id="rId7"/>
+    <p:sldId id="258" r:id="rId8"/>
+    <p:sldId id="261" r:id="rId9"/>
+    <p:sldId id="262" r:id="rId10"/>
+    <p:sldId id="260" r:id="rId11"/>
+    <p:sldId id="263" r:id="rId12"/>
+    <p:sldId id="264" r:id="rId13"/>
+    <p:sldId id="265" r:id="rId14"/>
+    <p:sldId id="266" r:id="rId15"/>
+    <p:sldId id="267" r:id="rId16"/>
   </p:sldIdLst>
   <p:sldSz cx="12192000" cy="6858000"/>
   <p:notesSz cx="6858000" cy="9144000"/>
@@ -114,7 +121,503 @@
       </a:defRPr>
     </a:lvl9pPr>
   </p:defaultTextStyle>
+  <p:extLst>
+    <p:ext uri="{EFAFB233-063F-42B5-8137-9DF3F51BA10A}">
+      <p15:sldGuideLst xmlns:p15="http://schemas.microsoft.com/office/powerpoint/2012/main"/>
+    </p:ext>
+  </p:extLst>
 </p:presentation>
+</file>
+
+<file path=ppt/notesMasters/notesMaster1.xml><?xml version="1.0" encoding="utf-8"?>
+<p:notesMaster xmlns:a="http://schemas.openxmlformats.org/drawingml/2006/main" xmlns:r="http://schemas.openxmlformats.org/officeDocument/2006/relationships" xmlns:p="http://schemas.openxmlformats.org/presentationml/2006/main">
+  <p:cSld>
+    <p:bg>
+      <p:bgRef idx="1001">
+        <a:schemeClr val="bg1"/>
+      </p:bgRef>
+    </p:bg>
+    <p:spTree>
+      <p:nvGrpSpPr>
+        <p:cNvPr id="1" name=""/>
+        <p:cNvGrpSpPr/>
+        <p:nvPr/>
+      </p:nvGrpSpPr>
+      <p:grpSpPr>
+        <a:xfrm>
+          <a:off x="0" y="0"/>
+          <a:ext cx="0" cy="0"/>
+          <a:chOff x="0" y="0"/>
+          <a:chExt cx="0" cy="0"/>
+        </a:xfrm>
+      </p:grpSpPr>
+      <p:sp>
+        <p:nvSpPr>
+          <p:cNvPr id="2" name="Header Placeholder 1"/>
+          <p:cNvSpPr>
+            <a:spLocks noGrp="1"/>
+          </p:cNvSpPr>
+          <p:nvPr>
+            <p:ph type="hdr" sz="quarter"/>
+          </p:nvPr>
+        </p:nvSpPr>
+        <p:spPr>
+          <a:xfrm>
+            <a:off x="0" y="0"/>
+            <a:ext cx="2971800" cy="458788"/>
+          </a:xfrm>
+          <a:prstGeom prst="rect">
+            <a:avLst/>
+          </a:prstGeom>
+        </p:spPr>
+        <p:txBody>
+          <a:bodyPr vert="horz" lIns="91440" tIns="45720" rIns="91440" bIns="45720" rtlCol="0"/>
+          <a:lstStyle>
+            <a:lvl1pPr algn="l">
+              <a:defRPr sz="1200"/>
+            </a:lvl1pPr>
+          </a:lstStyle>
+          <a:p>
+            <a:endParaRPr lang="en-US"/>
+          </a:p>
+        </p:txBody>
+      </p:sp>
+      <p:sp>
+        <p:nvSpPr>
+          <p:cNvPr id="3" name="Date Placeholder 2"/>
+          <p:cNvSpPr>
+            <a:spLocks noGrp="1"/>
+          </p:cNvSpPr>
+          <p:nvPr>
+            <p:ph type="dt" idx="1"/>
+          </p:nvPr>
+        </p:nvSpPr>
+        <p:spPr>
+          <a:xfrm>
+            <a:off x="3884613" y="0"/>
+            <a:ext cx="2971800" cy="458788"/>
+          </a:xfrm>
+          <a:prstGeom prst="rect">
+            <a:avLst/>
+          </a:prstGeom>
+        </p:spPr>
+        <p:txBody>
+          <a:bodyPr vert="horz" lIns="91440" tIns="45720" rIns="91440" bIns="45720" rtlCol="0"/>
+          <a:lstStyle>
+            <a:lvl1pPr algn="r">
+              <a:defRPr sz="1200"/>
+            </a:lvl1pPr>
+          </a:lstStyle>
+          <a:p>
+            <a:fld id="{D79F7559-23D1-0544-9992-D5DBD08D7C10}" type="datetimeFigureOut">
+              <a:rPr lang="en-US" smtClean="0"/>
+              <a:t>11/9/20</a:t>
+            </a:fld>
+            <a:endParaRPr lang="en-US"/>
+          </a:p>
+        </p:txBody>
+      </p:sp>
+      <p:sp>
+        <p:nvSpPr>
+          <p:cNvPr id="4" name="Slide Image Placeholder 3"/>
+          <p:cNvSpPr>
+            <a:spLocks noGrp="1" noRot="1" noChangeAspect="1"/>
+          </p:cNvSpPr>
+          <p:nvPr>
+            <p:ph type="sldImg" idx="2"/>
+          </p:nvPr>
+        </p:nvSpPr>
+        <p:spPr>
+          <a:xfrm>
+            <a:off x="685800" y="1143000"/>
+            <a:ext cx="5486400" cy="3086100"/>
+          </a:xfrm>
+          <a:prstGeom prst="rect">
+            <a:avLst/>
+          </a:prstGeom>
+          <a:noFill/>
+          <a:ln w="12700">
+            <a:solidFill>
+              <a:prstClr val="black"/>
+            </a:solidFill>
+          </a:ln>
+        </p:spPr>
+        <p:txBody>
+          <a:bodyPr vert="horz" lIns="91440" tIns="45720" rIns="91440" bIns="45720" rtlCol="0" anchor="ctr"/>
+          <a:lstStyle/>
+          <a:p>
+            <a:endParaRPr lang="en-US"/>
+          </a:p>
+        </p:txBody>
+      </p:sp>
+      <p:sp>
+        <p:nvSpPr>
+          <p:cNvPr id="5" name="Notes Placeholder 4"/>
+          <p:cNvSpPr>
+            <a:spLocks noGrp="1"/>
+          </p:cNvSpPr>
+          <p:nvPr>
+            <p:ph type="body" sz="quarter" idx="3"/>
+          </p:nvPr>
+        </p:nvSpPr>
+        <p:spPr>
+          <a:xfrm>
+            <a:off x="685800" y="4400550"/>
+            <a:ext cx="5486400" cy="3600450"/>
+          </a:xfrm>
+          <a:prstGeom prst="rect">
+            <a:avLst/>
+          </a:prstGeom>
+        </p:spPr>
+        <p:txBody>
+          <a:bodyPr vert="horz" lIns="91440" tIns="45720" rIns="91440" bIns="45720" rtlCol="0"/>
+          <a:lstStyle/>
+          <a:p>
+            <a:pPr lvl="0"/>
+            <a:r>
+              <a:rPr lang="en-US"/>
+              <a:t>Click to edit Master text styles</a:t>
+            </a:r>
+          </a:p>
+          <a:p>
+            <a:pPr lvl="1"/>
+            <a:r>
+              <a:rPr lang="en-US"/>
+              <a:t>Second level</a:t>
+            </a:r>
+          </a:p>
+          <a:p>
+            <a:pPr lvl="2"/>
+            <a:r>
+              <a:rPr lang="en-US"/>
+              <a:t>Third level</a:t>
+            </a:r>
+          </a:p>
+          <a:p>
+            <a:pPr lvl="3"/>
+            <a:r>
+              <a:rPr lang="en-US"/>
+              <a:t>Fourth level</a:t>
+            </a:r>
+          </a:p>
+          <a:p>
+            <a:pPr lvl="4"/>
+            <a:r>
+              <a:rPr lang="en-US"/>
+              <a:t>Fifth level</a:t>
+            </a:r>
+          </a:p>
+        </p:txBody>
+      </p:sp>
+      <p:sp>
+        <p:nvSpPr>
+          <p:cNvPr id="6" name="Footer Placeholder 5"/>
+          <p:cNvSpPr>
+            <a:spLocks noGrp="1"/>
+          </p:cNvSpPr>
+          <p:nvPr>
+            <p:ph type="ftr" sz="quarter" idx="4"/>
+          </p:nvPr>
+        </p:nvSpPr>
+        <p:spPr>
+          <a:xfrm>
+            <a:off x="0" y="8685213"/>
+            <a:ext cx="2971800" cy="458787"/>
+          </a:xfrm>
+          <a:prstGeom prst="rect">
+            <a:avLst/>
+          </a:prstGeom>
+        </p:spPr>
+        <p:txBody>
+          <a:bodyPr vert="horz" lIns="91440" tIns="45720" rIns="91440" bIns="45720" rtlCol="0" anchor="b"/>
+          <a:lstStyle>
+            <a:lvl1pPr algn="l">
+              <a:defRPr sz="1200"/>
+            </a:lvl1pPr>
+          </a:lstStyle>
+          <a:p>
+            <a:endParaRPr lang="en-US"/>
+          </a:p>
+        </p:txBody>
+      </p:sp>
+      <p:sp>
+        <p:nvSpPr>
+          <p:cNvPr id="7" name="Slide Number Placeholder 6"/>
+          <p:cNvSpPr>
+            <a:spLocks noGrp="1"/>
+          </p:cNvSpPr>
+          <p:nvPr>
+            <p:ph type="sldNum" sz="quarter" idx="5"/>
+          </p:nvPr>
+        </p:nvSpPr>
+        <p:spPr>
+          <a:xfrm>
+            <a:off x="3884613" y="8685213"/>
+            <a:ext cx="2971800" cy="458787"/>
+          </a:xfrm>
+          <a:prstGeom prst="rect">
+            <a:avLst/>
+          </a:prstGeom>
+        </p:spPr>
+        <p:txBody>
+          <a:bodyPr vert="horz" lIns="91440" tIns="45720" rIns="91440" bIns="45720" rtlCol="0" anchor="b"/>
+          <a:lstStyle>
+            <a:lvl1pPr algn="r">
+              <a:defRPr sz="1200"/>
+            </a:lvl1pPr>
+          </a:lstStyle>
+          <a:p>
+            <a:fld id="{BA70C7AE-9129-C248-8B3E-D3529557B3D0}" type="slidenum">
+              <a:rPr lang="en-US" smtClean="0"/>
+              <a:t>‹#›</a:t>
+            </a:fld>
+            <a:endParaRPr lang="en-US"/>
+          </a:p>
+        </p:txBody>
+      </p:sp>
+    </p:spTree>
+    <p:extLst>
+      <p:ext uri="{BB962C8B-B14F-4D97-AF65-F5344CB8AC3E}">
+        <p14:creationId xmlns:p14="http://schemas.microsoft.com/office/powerpoint/2010/main" val="966810713"/>
+      </p:ext>
+    </p:extLst>
+  </p:cSld>
+  <p:clrMap bg1="lt1" tx1="dk1" bg2="lt2" tx2="dk2" accent1="accent1" accent2="accent2" accent3="accent3" accent4="accent4" accent5="accent5" accent6="accent6" hlink="hlink" folHlink="folHlink"/>
+  <p:notesStyle>
+    <a:lvl1pPr marL="0" algn="l" defTabSz="914400" rtl="0" eaLnBrk="1" latinLnBrk="0" hangingPunct="1">
+      <a:defRPr sz="1200" kern="1200">
+        <a:solidFill>
+          <a:schemeClr val="tx1"/>
+        </a:solidFill>
+        <a:latin typeface="+mn-lt"/>
+        <a:ea typeface="+mn-ea"/>
+        <a:cs typeface="+mn-cs"/>
+      </a:defRPr>
+    </a:lvl1pPr>
+    <a:lvl2pPr marL="457200" algn="l" defTabSz="914400" rtl="0" eaLnBrk="1" latinLnBrk="0" hangingPunct="1">
+      <a:defRPr sz="1200" kern="1200">
+        <a:solidFill>
+          <a:schemeClr val="tx1"/>
+        </a:solidFill>
+        <a:latin typeface="+mn-lt"/>
+        <a:ea typeface="+mn-ea"/>
+        <a:cs typeface="+mn-cs"/>
+      </a:defRPr>
+    </a:lvl2pPr>
+    <a:lvl3pPr marL="914400" algn="l" defTabSz="914400" rtl="0" eaLnBrk="1" latinLnBrk="0" hangingPunct="1">
+      <a:defRPr sz="1200" kern="1200">
+        <a:solidFill>
+          <a:schemeClr val="tx1"/>
+        </a:solidFill>
+        <a:latin typeface="+mn-lt"/>
+        <a:ea typeface="+mn-ea"/>
+        <a:cs typeface="+mn-cs"/>
+      </a:defRPr>
+    </a:lvl3pPr>
+    <a:lvl4pPr marL="1371600" algn="l" defTabSz="914400" rtl="0" eaLnBrk="1" latinLnBrk="0" hangingPunct="1">
+      <a:defRPr sz="1200" kern="1200">
+        <a:solidFill>
+          <a:schemeClr val="tx1"/>
+        </a:solidFill>
+        <a:latin typeface="+mn-lt"/>
+        <a:ea typeface="+mn-ea"/>
+        <a:cs typeface="+mn-cs"/>
+      </a:defRPr>
+    </a:lvl4pPr>
+    <a:lvl5pPr marL="1828800" algn="l" defTabSz="914400" rtl="0" eaLnBrk="1" latinLnBrk="0" hangingPunct="1">
+      <a:defRPr sz="1200" kern="1200">
+        <a:solidFill>
+          <a:schemeClr val="tx1"/>
+        </a:solidFill>
+        <a:latin typeface="+mn-lt"/>
+        <a:ea typeface="+mn-ea"/>
+        <a:cs typeface="+mn-cs"/>
+      </a:defRPr>
+    </a:lvl5pPr>
+    <a:lvl6pPr marL="2286000" algn="l" defTabSz="914400" rtl="0" eaLnBrk="1" latinLnBrk="0" hangingPunct="1">
+      <a:defRPr sz="1200" kern="1200">
+        <a:solidFill>
+          <a:schemeClr val="tx1"/>
+        </a:solidFill>
+        <a:latin typeface="+mn-lt"/>
+        <a:ea typeface="+mn-ea"/>
+        <a:cs typeface="+mn-cs"/>
+      </a:defRPr>
+    </a:lvl6pPr>
+    <a:lvl7pPr marL="2743200" algn="l" defTabSz="914400" rtl="0" eaLnBrk="1" latinLnBrk="0" hangingPunct="1">
+      <a:defRPr sz="1200" kern="1200">
+        <a:solidFill>
+          <a:schemeClr val="tx1"/>
+        </a:solidFill>
+        <a:latin typeface="+mn-lt"/>
+        <a:ea typeface="+mn-ea"/>
+        <a:cs typeface="+mn-cs"/>
+      </a:defRPr>
+    </a:lvl7pPr>
+    <a:lvl8pPr marL="3200400" algn="l" defTabSz="914400" rtl="0" eaLnBrk="1" latinLnBrk="0" hangingPunct="1">
+      <a:defRPr sz="1200" kern="1200">
+        <a:solidFill>
+          <a:schemeClr val="tx1"/>
+        </a:solidFill>
+        <a:latin typeface="+mn-lt"/>
+        <a:ea typeface="+mn-ea"/>
+        <a:cs typeface="+mn-cs"/>
+      </a:defRPr>
+    </a:lvl8pPr>
+    <a:lvl9pPr marL="3657600" algn="l" defTabSz="914400" rtl="0" eaLnBrk="1" latinLnBrk="0" hangingPunct="1">
+      <a:defRPr sz="1200" kern="1200">
+        <a:solidFill>
+          <a:schemeClr val="tx1"/>
+        </a:solidFill>
+        <a:latin typeface="+mn-lt"/>
+        <a:ea typeface="+mn-ea"/>
+        <a:cs typeface="+mn-cs"/>
+      </a:defRPr>
+    </a:lvl9pPr>
+  </p:notesStyle>
+</p:notesMaster>
+</file>
+
+<file path=ppt/notesSlides/notesSlide1.xml><?xml version="1.0" encoding="utf-8"?>
+<p:notes xmlns:a="http://schemas.openxmlformats.org/drawingml/2006/main" xmlns:r="http://schemas.openxmlformats.org/officeDocument/2006/relationships" xmlns:p="http://schemas.openxmlformats.org/presentationml/2006/main">
+  <p:cSld>
+    <p:spTree>
+      <p:nvGrpSpPr>
+        <p:cNvPr id="1" name=""/>
+        <p:cNvGrpSpPr/>
+        <p:nvPr/>
+      </p:nvGrpSpPr>
+      <p:grpSpPr>
+        <a:xfrm>
+          <a:off x="0" y="0"/>
+          <a:ext cx="0" cy="0"/>
+          <a:chOff x="0" y="0"/>
+          <a:chExt cx="0" cy="0"/>
+        </a:xfrm>
+      </p:grpSpPr>
+      <p:sp>
+        <p:nvSpPr>
+          <p:cNvPr id="2" name="Slide Image Placeholder 1"/>
+          <p:cNvSpPr>
+            <a:spLocks noGrp="1" noRot="1" noChangeAspect="1"/>
+          </p:cNvSpPr>
+          <p:nvPr>
+            <p:ph type="sldImg"/>
+          </p:nvPr>
+        </p:nvSpPr>
+        <p:spPr/>
+      </p:sp>
+      <p:sp>
+        <p:nvSpPr>
+          <p:cNvPr id="3" name="Notes Placeholder 2"/>
+          <p:cNvSpPr>
+            <a:spLocks noGrp="1"/>
+          </p:cNvSpPr>
+          <p:nvPr>
+            <p:ph type="body" idx="1"/>
+          </p:nvPr>
+        </p:nvSpPr>
+        <p:spPr/>
+        <p:txBody>
+          <a:bodyPr/>
+          <a:lstStyle/>
+          <a:p>
+            <a:r>
+              <a:rPr lang="en-US" sz="1200"/>
+              <a:t>We have been tested for &gt; 100 </a:t>
+            </a:r>
+            <a:r>
+              <a:rPr lang="en-US" sz="1200" err="1"/>
+              <a:t>tps</a:t>
+            </a:r>
+            <a:endParaRPr lang="en-US" sz="1200"/>
+          </a:p>
+          <a:p>
+            <a:r>
+              <a:rPr lang="en-US" sz="1200"/>
+              <a:t>&lt; 500ms</a:t>
+            </a:r>
+          </a:p>
+          <a:p>
+            <a:r>
+              <a:rPr lang="en-US" sz="1200"/>
+              <a:t>some of the tables have upwards of 40 billion rows. And we no</a:t>
+            </a:r>
+            <a:br>
+              <a:rPr lang="en-US" sz="1200"/>
+            </a:br>
+            <a:r>
+              <a:rPr lang="en-US" sz="1200"/>
+              <a:t>     problem inserting 10s of million rows while serving up data with 2-5ms latency at the same time</a:t>
+            </a:r>
+          </a:p>
+          <a:p>
+            <a:r>
+              <a:rPr lang="en-US" sz="1200"/>
+              <a:t>2 billion claims going back 3 years.97% coverage.  5-10 millions events per day.</a:t>
+            </a:r>
+            <a:br>
+              <a:rPr lang="en-US" sz="1200"/>
+            </a:br>
+            <a:r>
+              <a:rPr lang="en-US" sz="1200"/>
+              <a:t>    3 billion prior auth events.</a:t>
+            </a:r>
+            <a:br>
+              <a:rPr lang="en-US" sz="1200"/>
+            </a:br>
+            <a:r>
+              <a:rPr lang="en-US" sz="1200"/>
+              <a:t>    Metrics aggregation updates in seconds compare to days or hours in traditional </a:t>
+            </a:r>
+            <a:r>
+              <a:rPr lang="en-US" sz="1200" err="1"/>
+              <a:t>wh</a:t>
+            </a:r>
+            <a:r>
+              <a:rPr lang="en-US" sz="1200"/>
+              <a:t> system</a:t>
+            </a:r>
+          </a:p>
+          <a:p>
+            <a:endParaRPr lang="en-US"/>
+          </a:p>
+        </p:txBody>
+      </p:sp>
+      <p:sp>
+        <p:nvSpPr>
+          <p:cNvPr id="4" name="Slide Number Placeholder 3"/>
+          <p:cNvSpPr>
+            <a:spLocks noGrp="1"/>
+          </p:cNvSpPr>
+          <p:nvPr>
+            <p:ph type="sldNum" sz="quarter" idx="5"/>
+          </p:nvPr>
+        </p:nvSpPr>
+        <p:spPr/>
+        <p:txBody>
+          <a:bodyPr/>
+          <a:lstStyle/>
+          <a:p>
+            <a:fld id="{71B1AA27-3892-4360-B986-D6B124C223BF}" type="slidenum">
+              <a:rPr lang="en-US" smtClean="0"/>
+              <a:t>3</a:t>
+            </a:fld>
+            <a:endParaRPr lang="en-US"/>
+          </a:p>
+        </p:txBody>
+      </p:sp>
+    </p:spTree>
+    <p:extLst>
+      <p:ext uri="{BB962C8B-B14F-4D97-AF65-F5344CB8AC3E}">
+        <p14:creationId xmlns:p14="http://schemas.microsoft.com/office/powerpoint/2010/main" val="582191162"/>
+      </p:ext>
+    </p:extLst>
+  </p:cSld>
+  <p:clrMapOvr>
+    <a:masterClrMapping/>
+  </p:clrMapOvr>
+</p:notes>
 </file>
 
 <file path=ppt/slideLayouts/slideLayout1.xml><?xml version="1.0" encoding="utf-8"?>
@@ -264,7 +767,7 @@
           <a:p>
             <a:fld id="{508DA6D4-C01D-7241-A252-C5456593F1F9}" type="datetimeFigureOut">
               <a:rPr lang="en-US" smtClean="0"/>
-              <a:t>11/5/20</a:t>
+              <a:t>11/9/20</a:t>
             </a:fld>
             <a:endParaRPr lang="en-US"/>
           </a:p>
@@ -462,7 +965,7 @@
           <a:p>
             <a:fld id="{508DA6D4-C01D-7241-A252-C5456593F1F9}" type="datetimeFigureOut">
               <a:rPr lang="en-US" smtClean="0"/>
-              <a:t>11/5/20</a:t>
+              <a:t>11/9/20</a:t>
             </a:fld>
             <a:endParaRPr lang="en-US"/>
           </a:p>
@@ -670,7 +1173,7 @@
           <a:p>
             <a:fld id="{508DA6D4-C01D-7241-A252-C5456593F1F9}" type="datetimeFigureOut">
               <a:rPr lang="en-US" smtClean="0"/>
-              <a:t>11/5/20</a:t>
+              <a:t>11/9/20</a:t>
             </a:fld>
             <a:endParaRPr lang="en-US"/>
           </a:p>
@@ -734,6 +1237,474 @@
     <p:extLst>
       <p:ext uri="{BB962C8B-B14F-4D97-AF65-F5344CB8AC3E}">
         <p14:creationId xmlns:p14="http://schemas.microsoft.com/office/powerpoint/2010/main" val="3860468167"/>
+      </p:ext>
+    </p:extLst>
+  </p:cSld>
+  <p:clrMapOvr>
+    <a:masterClrMapping/>
+  </p:clrMapOvr>
+</p:sldLayout>
+</file>
+
+<file path=ppt/slideLayouts/slideLayout12.xml><?xml version="1.0" encoding="utf-8"?>
+<p:sldLayout xmlns:a="http://schemas.openxmlformats.org/drawingml/2006/main" xmlns:r="http://schemas.openxmlformats.org/officeDocument/2006/relationships" xmlns:p="http://schemas.openxmlformats.org/presentationml/2006/main" userDrawn="1">
+  <p:cSld name="1_Title and Content">
+    <p:spTree>
+      <p:nvGrpSpPr>
+        <p:cNvPr id="1" name=""/>
+        <p:cNvGrpSpPr/>
+        <p:nvPr/>
+      </p:nvGrpSpPr>
+      <p:grpSpPr>
+        <a:xfrm>
+          <a:off x="0" y="0"/>
+          <a:ext cx="0" cy="0"/>
+          <a:chOff x="0" y="0"/>
+          <a:chExt cx="0" cy="0"/>
+        </a:xfrm>
+      </p:grpSpPr>
+      <p:sp>
+        <p:nvSpPr>
+          <p:cNvPr id="3" name="Bullets/content"/>
+          <p:cNvSpPr>
+            <a:spLocks noGrp="1"/>
+          </p:cNvSpPr>
+          <p:nvPr>
+            <p:ph idx="1" hasCustomPrompt="1"/>
+          </p:nvPr>
+        </p:nvSpPr>
+        <p:spPr/>
+        <p:txBody>
+          <a:bodyPr/>
+          <a:lstStyle>
+            <a:lvl1pPr>
+              <a:defRPr/>
+            </a:lvl1pPr>
+          </a:lstStyle>
+          <a:p>
+            <a:pPr lvl="0"/>
+            <a:r>
+              <a:rPr lang="en-US"/>
+              <a:t>Click to type text. To change text formatting (approved color, size, bullets), place cursor at beginning of text/line and hit Tab or Shift Tab. Click icon for chart or table</a:t>
+            </a:r>
+          </a:p>
+          <a:p>
+            <a:pPr lvl="1"/>
+            <a:r>
+              <a:rPr lang="en-US"/>
+              <a:t>Second level</a:t>
+            </a:r>
+          </a:p>
+          <a:p>
+            <a:pPr lvl="2"/>
+            <a:r>
+              <a:rPr lang="en-US"/>
+              <a:t>Third level</a:t>
+            </a:r>
+          </a:p>
+          <a:p>
+            <a:pPr lvl="3"/>
+            <a:r>
+              <a:rPr lang="en-US"/>
+              <a:t>Fourth level</a:t>
+            </a:r>
+          </a:p>
+          <a:p>
+            <a:pPr lvl="4"/>
+            <a:r>
+              <a:rPr lang="en-US"/>
+              <a:t>Fifth level</a:t>
+            </a:r>
+          </a:p>
+        </p:txBody>
+      </p:sp>
+      <p:sp>
+        <p:nvSpPr>
+          <p:cNvPr id="8" name="Subtitle"/>
+          <p:cNvSpPr>
+            <a:spLocks noGrp="1"/>
+          </p:cNvSpPr>
+          <p:nvPr>
+            <p:ph type="body" sz="quarter" idx="13" hasCustomPrompt="1"/>
+          </p:nvPr>
+        </p:nvSpPr>
+        <p:spPr>
+          <a:xfrm>
+            <a:off x="495300" y="1118282"/>
+            <a:ext cx="11315700" cy="492125"/>
+          </a:xfrm>
+        </p:spPr>
+        <p:txBody>
+          <a:bodyPr/>
+          <a:lstStyle>
+            <a:lvl1pPr>
+              <a:defRPr sz="2600">
+                <a:solidFill>
+                  <a:schemeClr val="accent4"/>
+                </a:solidFill>
+              </a:defRPr>
+            </a:lvl1pPr>
+          </a:lstStyle>
+          <a:p>
+            <a:pPr lvl="0"/>
+            <a:r>
+              <a:rPr lang="en-US"/>
+              <a:t>Use this space for one line subhead if needed | One line</a:t>
+            </a:r>
+          </a:p>
+        </p:txBody>
+      </p:sp>
+      <p:sp>
+        <p:nvSpPr>
+          <p:cNvPr id="9" name="Rectangle 8" hidden="1"/>
+          <p:cNvSpPr/>
+          <p:nvPr userDrawn="1">
+            <p:custDataLst>
+              <p:tags r:id="rId1"/>
+            </p:custDataLst>
+          </p:nvPr>
+        </p:nvSpPr>
+        <p:spPr>
+          <a:xfrm>
+            <a:off x="457200" y="1143000"/>
+            <a:ext cx="11353800" cy="4849912"/>
+          </a:xfrm>
+          <a:prstGeom prst="rect">
+            <a:avLst/>
+          </a:prstGeom>
+          <a:solidFill>
+            <a:schemeClr val="accent3"/>
+          </a:solidFill>
+          <a:ln>
+            <a:noFill/>
+          </a:ln>
+        </p:spPr>
+        <p:style>
+          <a:lnRef idx="2">
+            <a:schemeClr val="accent1">
+              <a:shade val="50000"/>
+            </a:schemeClr>
+          </a:lnRef>
+          <a:fillRef idx="1">
+            <a:schemeClr val="accent1"/>
+          </a:fillRef>
+          <a:effectRef idx="0">
+            <a:schemeClr val="accent1"/>
+          </a:effectRef>
+          <a:fontRef idx="minor">
+            <a:schemeClr val="lt1"/>
+          </a:fontRef>
+        </p:style>
+        <p:txBody>
+          <a:bodyPr rot="0" spcFirstLastPara="0" vertOverflow="overflow" horzOverflow="overflow" vert="horz" wrap="square" lIns="91440" tIns="45720" rIns="91440" bIns="45720" numCol="1" spcCol="0" rtlCol="0" fromWordArt="0" anchor="ctr" anchorCtr="0" forceAA="0" compatLnSpc="1">
+            <a:prstTxWarp prst="textNoShape">
+              <a:avLst/>
+            </a:prstTxWarp>
+            <a:noAutofit/>
+          </a:bodyPr>
+          <a:lstStyle/>
+          <a:p>
+            <a:pPr lvl="0" algn="ctr"/>
+            <a:endParaRPr lang="en-US" err="1"/>
+          </a:p>
+        </p:txBody>
+      </p:sp>
+      <p:sp>
+        <p:nvSpPr>
+          <p:cNvPr id="10" name="Rectangle 9" hidden="1"/>
+          <p:cNvSpPr/>
+          <p:nvPr userDrawn="1">
+            <p:custDataLst>
+              <p:tags r:id="rId2"/>
+            </p:custDataLst>
+          </p:nvPr>
+        </p:nvSpPr>
+        <p:spPr>
+          <a:xfrm>
+            <a:off x="304800" y="6084051"/>
+            <a:ext cx="2214664" cy="617873"/>
+          </a:xfrm>
+          <a:prstGeom prst="rect">
+            <a:avLst/>
+          </a:prstGeom>
+          <a:solidFill>
+            <a:schemeClr val="accent3"/>
+          </a:solidFill>
+          <a:ln>
+            <a:noFill/>
+          </a:ln>
+        </p:spPr>
+        <p:style>
+          <a:lnRef idx="2">
+            <a:schemeClr val="accent1">
+              <a:shade val="50000"/>
+            </a:schemeClr>
+          </a:lnRef>
+          <a:fillRef idx="1">
+            <a:schemeClr val="accent1"/>
+          </a:fillRef>
+          <a:effectRef idx="0">
+            <a:schemeClr val="accent1"/>
+          </a:effectRef>
+          <a:fontRef idx="minor">
+            <a:schemeClr val="lt1"/>
+          </a:fontRef>
+        </p:style>
+        <p:txBody>
+          <a:bodyPr rot="0" spcFirstLastPara="0" vertOverflow="overflow" horzOverflow="overflow" vert="horz" wrap="square" lIns="91440" tIns="45720" rIns="91440" bIns="45720" numCol="1" spcCol="0" rtlCol="0" fromWordArt="0" anchor="ctr" anchorCtr="0" forceAA="0" compatLnSpc="1">
+            <a:prstTxWarp prst="textNoShape">
+              <a:avLst/>
+            </a:prstTxWarp>
+            <a:noAutofit/>
+          </a:bodyPr>
+          <a:lstStyle/>
+          <a:p>
+            <a:pPr lvl="0" algn="ctr"/>
+            <a:endParaRPr lang="en-US" err="1"/>
+          </a:p>
+        </p:txBody>
+      </p:sp>
+      <p:sp>
+        <p:nvSpPr>
+          <p:cNvPr id="11" name="Rectangle 10" hidden="1"/>
+          <p:cNvSpPr/>
+          <p:nvPr userDrawn="1">
+            <p:custDataLst>
+              <p:tags r:id="rId3"/>
+            </p:custDataLst>
+          </p:nvPr>
+        </p:nvSpPr>
+        <p:spPr>
+          <a:xfrm>
+            <a:off x="0" y="0"/>
+            <a:ext cx="12191999" cy="418011"/>
+          </a:xfrm>
+          <a:prstGeom prst="rect">
+            <a:avLst/>
+          </a:prstGeom>
+          <a:solidFill>
+            <a:schemeClr val="accent3"/>
+          </a:solidFill>
+          <a:ln>
+            <a:noFill/>
+          </a:ln>
+        </p:spPr>
+        <p:style>
+          <a:lnRef idx="2">
+            <a:schemeClr val="accent1">
+              <a:shade val="50000"/>
+            </a:schemeClr>
+          </a:lnRef>
+          <a:fillRef idx="1">
+            <a:schemeClr val="accent1"/>
+          </a:fillRef>
+          <a:effectRef idx="0">
+            <a:schemeClr val="accent1"/>
+          </a:effectRef>
+          <a:fontRef idx="minor">
+            <a:schemeClr val="lt1"/>
+          </a:fontRef>
+        </p:style>
+        <p:txBody>
+          <a:bodyPr rot="0" spcFirstLastPara="0" vertOverflow="overflow" horzOverflow="overflow" vert="horz" wrap="square" lIns="91440" tIns="45720" rIns="91440" bIns="45720" numCol="1" spcCol="0" rtlCol="0" fromWordArt="0" anchor="ctr" anchorCtr="0" forceAA="0" compatLnSpc="1">
+            <a:prstTxWarp prst="textNoShape">
+              <a:avLst/>
+            </a:prstTxWarp>
+            <a:noAutofit/>
+          </a:bodyPr>
+          <a:lstStyle/>
+          <a:p>
+            <a:pPr lvl="0" algn="ctr"/>
+            <a:endParaRPr lang="en-US" err="1"/>
+          </a:p>
+        </p:txBody>
+      </p:sp>
+      <p:sp>
+        <p:nvSpPr>
+          <p:cNvPr id="12" name="Rectangle 11" hidden="1"/>
+          <p:cNvSpPr/>
+          <p:nvPr userDrawn="1">
+            <p:custDataLst>
+              <p:tags r:id="rId4"/>
+            </p:custDataLst>
+          </p:nvPr>
+        </p:nvSpPr>
+        <p:spPr>
+          <a:xfrm>
+            <a:off x="5229225" y="6392987"/>
+            <a:ext cx="6648450" cy="510733"/>
+          </a:xfrm>
+          <a:prstGeom prst="rect">
+            <a:avLst/>
+          </a:prstGeom>
+          <a:solidFill>
+            <a:schemeClr val="accent3"/>
+          </a:solidFill>
+          <a:ln>
+            <a:noFill/>
+          </a:ln>
+        </p:spPr>
+        <p:style>
+          <a:lnRef idx="2">
+            <a:schemeClr val="accent1">
+              <a:shade val="50000"/>
+            </a:schemeClr>
+          </a:lnRef>
+          <a:fillRef idx="1">
+            <a:schemeClr val="accent1"/>
+          </a:fillRef>
+          <a:effectRef idx="0">
+            <a:schemeClr val="accent1"/>
+          </a:effectRef>
+          <a:fontRef idx="minor">
+            <a:schemeClr val="lt1"/>
+          </a:fontRef>
+        </p:style>
+        <p:txBody>
+          <a:bodyPr rot="0" spcFirstLastPara="0" vertOverflow="overflow" horzOverflow="overflow" vert="horz" wrap="square" lIns="91440" tIns="45720" rIns="91440" bIns="45720" numCol="1" spcCol="0" rtlCol="0" fromWordArt="0" anchor="ctr" anchorCtr="0" forceAA="0" compatLnSpc="1">
+            <a:prstTxWarp prst="textNoShape">
+              <a:avLst/>
+            </a:prstTxWarp>
+            <a:noAutofit/>
+          </a:bodyPr>
+          <a:lstStyle/>
+          <a:p>
+            <a:pPr lvl="0" algn="ctr"/>
+            <a:endParaRPr lang="en-US" err="1"/>
+          </a:p>
+        </p:txBody>
+      </p:sp>
+      <p:sp>
+        <p:nvSpPr>
+          <p:cNvPr id="7" name="Slide Number Placeholder 6"/>
+          <p:cNvSpPr>
+            <a:spLocks noGrp="1"/>
+          </p:cNvSpPr>
+          <p:nvPr>
+            <p:ph type="sldNum" sz="quarter" idx="16"/>
+          </p:nvPr>
+        </p:nvSpPr>
+        <p:spPr/>
+        <p:txBody>
+          <a:bodyPr/>
+          <a:lstStyle/>
+          <a:p>
+            <a:fld id="{901F1369-4AEB-4520-96C0-9F78886180C1}" type="slidenum">
+              <a:rPr lang="en-US" smtClean="0"/>
+              <a:pPr/>
+              <a:t>‹#›</a:t>
+            </a:fld>
+            <a:endParaRPr lang="en-US"/>
+          </a:p>
+        </p:txBody>
+      </p:sp>
+      <p:sp>
+        <p:nvSpPr>
+          <p:cNvPr id="13" name="Title">
+            <a:extLst>
+              <a:ext uri="{FF2B5EF4-FFF2-40B4-BE49-F238E27FC236}">
+                <a16:creationId xmlns:a16="http://schemas.microsoft.com/office/drawing/2014/main" id="{B8EF9C1F-4E39-7445-8F52-97C0BBB29B2D}"/>
+              </a:ext>
+            </a:extLst>
+          </p:cNvPr>
+          <p:cNvSpPr>
+            <a:spLocks noGrp="1"/>
+          </p:cNvSpPr>
+          <p:nvPr>
+            <p:ph type="title" hasCustomPrompt="1"/>
+          </p:nvPr>
+        </p:nvSpPr>
+        <p:spPr>
+          <a:xfrm>
+            <a:off x="495300" y="0"/>
+            <a:ext cx="9112724" cy="1074058"/>
+          </a:xfrm>
+        </p:spPr>
+        <p:txBody>
+          <a:bodyPr/>
+          <a:lstStyle>
+            <a:lvl1pPr>
+              <a:defRPr/>
+            </a:lvl1pPr>
+          </a:lstStyle>
+          <a:p>
+            <a:r>
+              <a:rPr lang="en-US"/>
+              <a:t>Type insightful headline in sentence case | One line</a:t>
+            </a:r>
+          </a:p>
+        </p:txBody>
+      </p:sp>
+      <p:sp>
+        <p:nvSpPr>
+          <p:cNvPr id="14" name="Footer Placeholder 4">
+            <a:extLst>
+              <a:ext uri="{FF2B5EF4-FFF2-40B4-BE49-F238E27FC236}">
+                <a16:creationId xmlns:a16="http://schemas.microsoft.com/office/drawing/2014/main" id="{1EB1074B-45B2-4546-B350-E165F27C6B4F}"/>
+              </a:ext>
+            </a:extLst>
+          </p:cNvPr>
+          <p:cNvSpPr>
+            <a:spLocks noGrp="1"/>
+          </p:cNvSpPr>
+          <p:nvPr>
+            <p:ph type="ftr" sz="quarter" idx="11"/>
+          </p:nvPr>
+        </p:nvSpPr>
+        <p:spPr>
+          <a:xfrm>
+            <a:off x="3889611" y="6414340"/>
+            <a:ext cx="7336797" cy="313241"/>
+          </a:xfrm>
+        </p:spPr>
+        <p:txBody>
+          <a:bodyPr/>
+          <a:lstStyle/>
+          <a:p>
+            <a:pPr algn="r"/>
+            <a:endParaRPr lang="en-US"/>
+          </a:p>
+        </p:txBody>
+      </p:sp>
+      <p:pic>
+        <p:nvPicPr>
+          <p:cNvPr id="15" name="Picture 14">
+            <a:extLst>
+              <a:ext uri="{FF2B5EF4-FFF2-40B4-BE49-F238E27FC236}">
+                <a16:creationId xmlns:a16="http://schemas.microsoft.com/office/drawing/2014/main" id="{92F5DA2E-BF7C-2945-8AC5-939FD3BD365D}"/>
+              </a:ext>
+            </a:extLst>
+          </p:cNvPr>
+          <p:cNvPicPr>
+            <a:picLocks noChangeAspect="1"/>
+          </p:cNvPicPr>
+          <p:nvPr userDrawn="1"/>
+        </p:nvPicPr>
+        <p:blipFill>
+          <a:blip r:embed="rId6">
+            <a:alphaModFix/>
+          </a:blip>
+          <a:stretch>
+            <a:fillRect/>
+          </a:stretch>
+        </p:blipFill>
+        <p:spPr>
+          <a:xfrm>
+            <a:off x="385973" y="6181137"/>
+            <a:ext cx="3294163" cy="546444"/>
+          </a:xfrm>
+          <a:prstGeom prst="rect">
+            <a:avLst/>
+          </a:prstGeom>
+          <a:solidFill>
+            <a:schemeClr val="bg1"/>
+          </a:solidFill>
+        </p:spPr>
+      </p:pic>
+    </p:spTree>
+    <p:extLst>
+      <p:ext uri="{BB962C8B-B14F-4D97-AF65-F5344CB8AC3E}">
+        <p14:creationId xmlns:p14="http://schemas.microsoft.com/office/powerpoint/2010/main" val="2354493741"/>
       </p:ext>
     </p:extLst>
   </p:cSld>
@@ -868,7 +1839,7 @@
           <a:p>
             <a:fld id="{508DA6D4-C01D-7241-A252-C5456593F1F9}" type="datetimeFigureOut">
               <a:rPr lang="en-US" smtClean="0"/>
-              <a:t>11/5/20</a:t>
+              <a:t>11/9/20</a:t>
             </a:fld>
             <a:endParaRPr lang="en-US"/>
           </a:p>
@@ -1143,7 +2114,7 @@
           <a:p>
             <a:fld id="{508DA6D4-C01D-7241-A252-C5456593F1F9}" type="datetimeFigureOut">
               <a:rPr lang="en-US" smtClean="0"/>
-              <a:t>11/5/20</a:t>
+              <a:t>11/9/20</a:t>
             </a:fld>
             <a:endParaRPr lang="en-US"/>
           </a:p>
@@ -1408,7 +2379,7 @@
           <a:p>
             <a:fld id="{508DA6D4-C01D-7241-A252-C5456593F1F9}" type="datetimeFigureOut">
               <a:rPr lang="en-US" smtClean="0"/>
-              <a:t>11/5/20</a:t>
+              <a:t>11/9/20</a:t>
             </a:fld>
             <a:endParaRPr lang="en-US"/>
           </a:p>
@@ -1820,7 +2791,7 @@
           <a:p>
             <a:fld id="{508DA6D4-C01D-7241-A252-C5456593F1F9}" type="datetimeFigureOut">
               <a:rPr lang="en-US" smtClean="0"/>
-              <a:t>11/5/20</a:t>
+              <a:t>11/9/20</a:t>
             </a:fld>
             <a:endParaRPr lang="en-US"/>
           </a:p>
@@ -1961,7 +2932,7 @@
           <a:p>
             <a:fld id="{508DA6D4-C01D-7241-A252-C5456593F1F9}" type="datetimeFigureOut">
               <a:rPr lang="en-US" smtClean="0"/>
-              <a:t>11/5/20</a:t>
+              <a:t>11/9/20</a:t>
             </a:fld>
             <a:endParaRPr lang="en-US"/>
           </a:p>
@@ -2074,7 +3045,7 @@
           <a:p>
             <a:fld id="{508DA6D4-C01D-7241-A252-C5456593F1F9}" type="datetimeFigureOut">
               <a:rPr lang="en-US" smtClean="0"/>
-              <a:t>11/5/20</a:t>
+              <a:t>11/9/20</a:t>
             </a:fld>
             <a:endParaRPr lang="en-US"/>
           </a:p>
@@ -2385,7 +3356,7 @@
           <a:p>
             <a:fld id="{508DA6D4-C01D-7241-A252-C5456593F1F9}" type="datetimeFigureOut">
               <a:rPr lang="en-US" smtClean="0"/>
-              <a:t>11/5/20</a:t>
+              <a:t>11/9/20</a:t>
             </a:fld>
             <a:endParaRPr lang="en-US"/>
           </a:p>
@@ -2673,7 +3644,7 @@
           <a:p>
             <a:fld id="{508DA6D4-C01D-7241-A252-C5456593F1F9}" type="datetimeFigureOut">
               <a:rPr lang="en-US" smtClean="0"/>
-              <a:t>11/5/20</a:t>
+              <a:t>11/9/20</a:t>
             </a:fld>
             <a:endParaRPr lang="en-US"/>
           </a:p>
@@ -2914,7 +3885,7 @@
           <a:p>
             <a:fld id="{508DA6D4-C01D-7241-A252-C5456593F1F9}" type="datetimeFigureOut">
               <a:rPr lang="en-US" smtClean="0"/>
-              <a:t>11/5/20</a:t>
+              <a:t>11/9/20</a:t>
             </a:fld>
             <a:endParaRPr lang="en-US"/>
           </a:p>
@@ -3030,6 +4001,7 @@
     <p:sldLayoutId id="2147483657" r:id="rId9"/>
     <p:sldLayoutId id="2147483658" r:id="rId10"/>
     <p:sldLayoutId id="2147483659" r:id="rId11"/>
+    <p:sldLayoutId id="2147483660" r:id="rId12"/>
   </p:sldLayoutIdLst>
   <p:txStyles>
     <p:titleStyle>
@@ -3336,7 +4308,7 @@
           <p:cNvPr id="2" name="Title 1">
             <a:extLst>
               <a:ext uri="{FF2B5EF4-FFF2-40B4-BE49-F238E27FC236}">
-                <a16:creationId xmlns:a16="http://schemas.microsoft.com/office/drawing/2014/main" id="{6BD25FAB-26CB-6640-9840-7DD82095FC06}"/>
+                <a16:creationId xmlns:a16="http://schemas.microsoft.com/office/drawing/2014/main" id="{90761514-984C-3845-9843-BB3D17FF9EBF}"/>
               </a:ext>
             </a:extLst>
           </p:cNvPr>
@@ -3354,47 +4326,43 @@
           <a:p>
             <a:r>
               <a:rPr lang="en-US" dirty="0"/>
-              <a:t>Basics of </a:t>
-            </a:r>
-            <a:br>
+              <a:t>Modern ETL Pipeline</a:t>
+            </a:r>
+          </a:p>
+        </p:txBody>
+      </p:sp>
+      <p:sp>
+        <p:nvSpPr>
+          <p:cNvPr id="3" name="Subtitle 2">
+            <a:extLst>
+              <a:ext uri="{FF2B5EF4-FFF2-40B4-BE49-F238E27FC236}">
+                <a16:creationId xmlns:a16="http://schemas.microsoft.com/office/drawing/2014/main" id="{602F29B4-2E30-C74E-90C8-FDC6554787E5}"/>
+              </a:ext>
+            </a:extLst>
+          </p:cNvPr>
+          <p:cNvSpPr>
+            <a:spLocks noGrp="1"/>
+          </p:cNvSpPr>
+          <p:nvPr>
+            <p:ph type="subTitle" idx="1"/>
+          </p:nvPr>
+        </p:nvSpPr>
+        <p:spPr/>
+        <p:txBody>
+          <a:bodyPr/>
+          <a:lstStyle/>
+          <a:p>
+            <a:r>
               <a:rPr lang="en-US" dirty="0"/>
-            </a:br>
-            <a:r>
-              <a:rPr lang="en-US" dirty="0"/>
-              <a:t>Docker and Kubernetes </a:t>
-            </a:r>
-          </a:p>
-        </p:txBody>
-      </p:sp>
-      <p:sp>
-        <p:nvSpPr>
-          <p:cNvPr id="3" name="Subtitle 2">
-            <a:extLst>
-              <a:ext uri="{FF2B5EF4-FFF2-40B4-BE49-F238E27FC236}">
-                <a16:creationId xmlns:a16="http://schemas.microsoft.com/office/drawing/2014/main" id="{60EAE2D9-4FD3-F34C-B6FC-6F320302EE67}"/>
-              </a:ext>
-            </a:extLst>
-          </p:cNvPr>
-          <p:cNvSpPr>
-            <a:spLocks noGrp="1"/>
-          </p:cNvSpPr>
-          <p:nvPr>
-            <p:ph type="subTitle" idx="1"/>
-          </p:nvPr>
-        </p:nvSpPr>
-        <p:spPr/>
-        <p:txBody>
-          <a:bodyPr/>
-          <a:lstStyle/>
-          <a:p>
-            <a:endParaRPr lang="en-US" dirty="0"/>
+              <a:t>- p360 Team</a:t>
+            </a:r>
           </a:p>
         </p:txBody>
       </p:sp>
     </p:spTree>
     <p:extLst>
       <p:ext uri="{BB962C8B-B14F-4D97-AF65-F5344CB8AC3E}">
-        <p14:creationId xmlns:p14="http://schemas.microsoft.com/office/powerpoint/2010/main" val="1604016232"/>
+        <p14:creationId xmlns:p14="http://schemas.microsoft.com/office/powerpoint/2010/main" val="1009744260"/>
       </p:ext>
     </p:extLst>
   </p:cSld>
@@ -3426,7 +4394,7 @@
           <p:cNvPr id="2" name="Title 1">
             <a:extLst>
               <a:ext uri="{FF2B5EF4-FFF2-40B4-BE49-F238E27FC236}">
-                <a16:creationId xmlns:a16="http://schemas.microsoft.com/office/drawing/2014/main" id="{4CD227E9-DA1C-714D-BF57-28DAEECE84C7}"/>
+                <a16:creationId xmlns:a16="http://schemas.microsoft.com/office/drawing/2014/main" id="{E75DA16C-63AB-F644-9967-F9AC62FAC5F3}"/>
               </a:ext>
             </a:extLst>
           </p:cNvPr>
@@ -3444,7 +4412,7 @@
           <a:p>
             <a:r>
               <a:rPr lang="en-US" dirty="0"/>
-              <a:t>Core Concepts</a:t>
+              <a:t>Anti Pattern</a:t>
             </a:r>
           </a:p>
         </p:txBody>
@@ -3454,7 +4422,7 @@
           <p:cNvPr id="3" name="Content Placeholder 2">
             <a:extLst>
               <a:ext uri="{FF2B5EF4-FFF2-40B4-BE49-F238E27FC236}">
-                <a16:creationId xmlns:a16="http://schemas.microsoft.com/office/drawing/2014/main" id="{62BE62EC-7665-5148-A53A-9DBA82C5AAAC}"/>
+                <a16:creationId xmlns:a16="http://schemas.microsoft.com/office/drawing/2014/main" id="{BFE6CB94-8247-BB40-817B-A2917691BB61}"/>
               </a:ext>
             </a:extLst>
           </p:cNvPr>
@@ -3470,33 +4438,25 @@
           <a:bodyPr/>
           <a:lstStyle/>
           <a:p>
+            <a:pPr>
+              <a:buFontTx/>
+              <a:buChar char="-"/>
+            </a:pPr>
             <a:r>
               <a:rPr lang="en-US" dirty="0"/>
-              <a:t>Namespace</a:t>
+              <a:t>Avoid putting Secrets and Keys</a:t>
             </a:r>
           </a:p>
           <a:p>
             <a:r>
               <a:rPr lang="en-US" dirty="0"/>
-              <a:t>Pod</a:t>
+              <a:t>Building different images per environment.</a:t>
             </a:r>
           </a:p>
           <a:p>
             <a:r>
               <a:rPr lang="en-US" dirty="0"/>
-              <a:t>Deployment</a:t>
-            </a:r>
-          </a:p>
-          <a:p>
-            <a:r>
-              <a:rPr lang="en-US" dirty="0"/>
-              <a:t>Service</a:t>
-            </a:r>
-          </a:p>
-          <a:p>
-            <a:r>
-              <a:rPr lang="en-US" dirty="0"/>
-              <a:t>Ingress</a:t>
+              <a:t>Attempting to use VM practices on containers.</a:t>
             </a:r>
           </a:p>
           <a:p>
@@ -3507,7 +4467,7 @@
     </p:spTree>
     <p:extLst>
       <p:ext uri="{BB962C8B-B14F-4D97-AF65-F5344CB8AC3E}">
-        <p14:creationId xmlns:p14="http://schemas.microsoft.com/office/powerpoint/2010/main" val="2645409588"/>
+        <p14:creationId xmlns:p14="http://schemas.microsoft.com/office/powerpoint/2010/main" val="3627932224"/>
       </p:ext>
     </p:extLst>
   </p:cSld>
@@ -3539,7 +4499,7 @@
           <p:cNvPr id="2" name="Title 1">
             <a:extLst>
               <a:ext uri="{FF2B5EF4-FFF2-40B4-BE49-F238E27FC236}">
-                <a16:creationId xmlns:a16="http://schemas.microsoft.com/office/drawing/2014/main" id="{BE28667D-18C3-8D48-B52F-B9FD5F97815A}"/>
+                <a16:creationId xmlns:a16="http://schemas.microsoft.com/office/drawing/2014/main" id="{01ED87FC-94CA-BF4C-9921-156A2E7B3BCD}"/>
               </a:ext>
             </a:extLst>
           </p:cNvPr>
@@ -3557,7 +4517,7 @@
           <a:p>
             <a:r>
               <a:rPr lang="en-US" dirty="0"/>
-              <a:t>Core Concepts</a:t>
+              <a:t>Kubernetes</a:t>
             </a:r>
           </a:p>
         </p:txBody>
@@ -3567,7 +4527,7 @@
           <p:cNvPr id="3" name="Content Placeholder 2">
             <a:extLst>
               <a:ext uri="{FF2B5EF4-FFF2-40B4-BE49-F238E27FC236}">
-                <a16:creationId xmlns:a16="http://schemas.microsoft.com/office/drawing/2014/main" id="{D12CA317-6577-8D43-8732-A89DF4331398}"/>
+                <a16:creationId xmlns:a16="http://schemas.microsoft.com/office/drawing/2014/main" id="{8C8B6483-DE97-1B4A-BE6C-750348726DF5}"/>
               </a:ext>
             </a:extLst>
           </p:cNvPr>
@@ -3583,40 +4543,14 @@
           <a:bodyPr/>
           <a:lstStyle/>
           <a:p>
-            <a:r>
-              <a:rPr lang="en-US" dirty="0"/>
-              <a:t>Secret</a:t>
-            </a:r>
-          </a:p>
-          <a:p>
-            <a:r>
-              <a:rPr lang="en-US" dirty="0" err="1"/>
-              <a:t>Configmap</a:t>
-            </a:r>
-            <a:endParaRPr lang="en-US" dirty="0"/>
-          </a:p>
-          <a:p>
-            <a:r>
-              <a:rPr lang="en-US" dirty="0" err="1"/>
-              <a:t>Persistance</a:t>
-            </a:r>
-            <a:r>
-              <a:rPr lang="en-US" dirty="0"/>
-              <a:t> Storage</a:t>
-            </a:r>
-          </a:p>
-          <a:p>
-            <a:endParaRPr lang="en-US" dirty="0"/>
-          </a:p>
-          <a:p>
-            <a:endParaRPr lang="en-US" dirty="0"/>
+            <a:endParaRPr lang="en-US"/>
           </a:p>
         </p:txBody>
       </p:sp>
     </p:spTree>
     <p:extLst>
       <p:ext uri="{BB962C8B-B14F-4D97-AF65-F5344CB8AC3E}">
-        <p14:creationId xmlns:p14="http://schemas.microsoft.com/office/powerpoint/2010/main" val="929939759"/>
+        <p14:creationId xmlns:p14="http://schemas.microsoft.com/office/powerpoint/2010/main" val="360722982"/>
       </p:ext>
     </p:extLst>
   </p:cSld>
@@ -3626,7 +4560,7 @@
 </p:sld>
 </file>
 
-<file path=ppt/slides/slide2.xml><?xml version="1.0" encoding="utf-8"?>
+<file path=ppt/slides/slide12.xml><?xml version="1.0" encoding="utf-8"?>
 <p:sld xmlns:a="http://schemas.openxmlformats.org/drawingml/2006/main" xmlns:r="http://schemas.openxmlformats.org/officeDocument/2006/relationships" xmlns:p="http://schemas.openxmlformats.org/presentationml/2006/main">
   <p:cSld>
     <p:spTree>
@@ -3648,626 +4582,6 @@
           <p:cNvPr id="2" name="Title 1">
             <a:extLst>
               <a:ext uri="{FF2B5EF4-FFF2-40B4-BE49-F238E27FC236}">
-                <a16:creationId xmlns:a16="http://schemas.microsoft.com/office/drawing/2014/main" id="{E75DA16C-63AB-F644-9967-F9AC62FAC5F3}"/>
-              </a:ext>
-            </a:extLst>
-          </p:cNvPr>
-          <p:cNvSpPr>
-            <a:spLocks noGrp="1"/>
-          </p:cNvSpPr>
-          <p:nvPr>
-            <p:ph type="title"/>
-          </p:nvPr>
-        </p:nvSpPr>
-        <p:spPr/>
-        <p:txBody>
-          <a:bodyPr/>
-          <a:lstStyle/>
-          <a:p>
-            <a:endParaRPr lang="en-US"/>
-          </a:p>
-        </p:txBody>
-      </p:sp>
-      <p:sp>
-        <p:nvSpPr>
-          <p:cNvPr id="3" name="Content Placeholder 2">
-            <a:extLst>
-              <a:ext uri="{FF2B5EF4-FFF2-40B4-BE49-F238E27FC236}">
-                <a16:creationId xmlns:a16="http://schemas.microsoft.com/office/drawing/2014/main" id="{BFE6CB94-8247-BB40-817B-A2917691BB61}"/>
-              </a:ext>
-            </a:extLst>
-          </p:cNvPr>
-          <p:cNvSpPr>
-            <a:spLocks noGrp="1"/>
-          </p:cNvSpPr>
-          <p:nvPr>
-            <p:ph idx="1"/>
-          </p:nvPr>
-        </p:nvSpPr>
-        <p:spPr/>
-        <p:txBody>
-          <a:bodyPr/>
-          <a:lstStyle/>
-          <a:p>
-            <a:r>
-              <a:rPr lang="en-US" dirty="0"/>
-              <a:t>What is docker and why is it popular</a:t>
-            </a:r>
-          </a:p>
-        </p:txBody>
-      </p:sp>
-    </p:spTree>
-    <p:extLst>
-      <p:ext uri="{BB962C8B-B14F-4D97-AF65-F5344CB8AC3E}">
-        <p14:creationId xmlns:p14="http://schemas.microsoft.com/office/powerpoint/2010/main" val="802397060"/>
-      </p:ext>
-    </p:extLst>
-  </p:cSld>
-  <p:clrMapOvr>
-    <a:masterClrMapping/>
-  </p:clrMapOvr>
-</p:sld>
-</file>
-
-<file path=ppt/slides/slide3.xml><?xml version="1.0" encoding="utf-8"?>
-<p:sld xmlns:a="http://schemas.openxmlformats.org/drawingml/2006/main" xmlns:r="http://schemas.openxmlformats.org/officeDocument/2006/relationships" xmlns:p="http://schemas.openxmlformats.org/presentationml/2006/main">
-  <p:cSld>
-    <p:spTree>
-      <p:nvGrpSpPr>
-        <p:cNvPr id="1" name=""/>
-        <p:cNvGrpSpPr/>
-        <p:nvPr/>
-      </p:nvGrpSpPr>
-      <p:grpSpPr>
-        <a:xfrm>
-          <a:off x="0" y="0"/>
-          <a:ext cx="0" cy="0"/>
-          <a:chOff x="0" y="0"/>
-          <a:chExt cx="0" cy="0"/>
-        </a:xfrm>
-      </p:grpSpPr>
-      <p:sp>
-        <p:nvSpPr>
-          <p:cNvPr id="2" name="Title 1">
-            <a:extLst>
-              <a:ext uri="{FF2B5EF4-FFF2-40B4-BE49-F238E27FC236}">
-                <a16:creationId xmlns:a16="http://schemas.microsoft.com/office/drawing/2014/main" id="{E75DA16C-63AB-F644-9967-F9AC62FAC5F3}"/>
-              </a:ext>
-            </a:extLst>
-          </p:cNvPr>
-          <p:cNvSpPr>
-            <a:spLocks noGrp="1"/>
-          </p:cNvSpPr>
-          <p:nvPr>
-            <p:ph type="title"/>
-          </p:nvPr>
-        </p:nvSpPr>
-        <p:spPr/>
-        <p:txBody>
-          <a:bodyPr/>
-          <a:lstStyle/>
-          <a:p>
-            <a:r>
-              <a:rPr lang="en-US" dirty="0" err="1"/>
-              <a:t>Dockerfile</a:t>
-            </a:r>
-            <a:endParaRPr lang="en-US" dirty="0"/>
-          </a:p>
-        </p:txBody>
-      </p:sp>
-      <p:pic>
-        <p:nvPicPr>
-          <p:cNvPr id="5" name="Content Placeholder 4">
-            <a:extLst>
-              <a:ext uri="{FF2B5EF4-FFF2-40B4-BE49-F238E27FC236}">
-                <a16:creationId xmlns:a16="http://schemas.microsoft.com/office/drawing/2014/main" id="{79CC8D4A-CD62-764C-B982-913DA6CE3073}"/>
-              </a:ext>
-            </a:extLst>
-          </p:cNvPr>
-          <p:cNvPicPr>
-            <a:picLocks noGrp="1" noChangeAspect="1"/>
-          </p:cNvPicPr>
-          <p:nvPr>
-            <p:ph idx="1"/>
-          </p:nvPr>
-        </p:nvPicPr>
-        <p:blipFill>
-          <a:blip r:embed="rId2"/>
-          <a:stretch>
-            <a:fillRect/>
-          </a:stretch>
-        </p:blipFill>
-        <p:spPr>
-          <a:xfrm>
-            <a:off x="4495800" y="3347244"/>
-            <a:ext cx="3200400" cy="1308100"/>
-          </a:xfrm>
-          <a:prstGeom prst="rect">
-            <a:avLst/>
-          </a:prstGeom>
-        </p:spPr>
-      </p:pic>
-    </p:spTree>
-    <p:extLst>
-      <p:ext uri="{BB962C8B-B14F-4D97-AF65-F5344CB8AC3E}">
-        <p14:creationId xmlns:p14="http://schemas.microsoft.com/office/powerpoint/2010/main" val="3706641825"/>
-      </p:ext>
-    </p:extLst>
-  </p:cSld>
-  <p:clrMapOvr>
-    <a:masterClrMapping/>
-  </p:clrMapOvr>
-</p:sld>
-</file>
-
-<file path=ppt/slides/slide4.xml><?xml version="1.0" encoding="utf-8"?>
-<p:sld xmlns:a="http://schemas.openxmlformats.org/drawingml/2006/main" xmlns:r="http://schemas.openxmlformats.org/officeDocument/2006/relationships" xmlns:p="http://schemas.openxmlformats.org/presentationml/2006/main">
-  <p:cSld>
-    <p:spTree>
-      <p:nvGrpSpPr>
-        <p:cNvPr id="1" name=""/>
-        <p:cNvGrpSpPr/>
-        <p:nvPr/>
-      </p:nvGrpSpPr>
-      <p:grpSpPr>
-        <a:xfrm>
-          <a:off x="0" y="0"/>
-          <a:ext cx="0" cy="0"/>
-          <a:chOff x="0" y="0"/>
-          <a:chExt cx="0" cy="0"/>
-        </a:xfrm>
-      </p:grpSpPr>
-      <p:sp>
-        <p:nvSpPr>
-          <p:cNvPr id="2" name="Title 1">
-            <a:extLst>
-              <a:ext uri="{FF2B5EF4-FFF2-40B4-BE49-F238E27FC236}">
-                <a16:creationId xmlns:a16="http://schemas.microsoft.com/office/drawing/2014/main" id="{E75DA16C-63AB-F644-9967-F9AC62FAC5F3}"/>
-              </a:ext>
-            </a:extLst>
-          </p:cNvPr>
-          <p:cNvSpPr>
-            <a:spLocks noGrp="1"/>
-          </p:cNvSpPr>
-          <p:nvPr>
-            <p:ph type="title"/>
-          </p:nvPr>
-        </p:nvSpPr>
-        <p:spPr/>
-        <p:txBody>
-          <a:bodyPr/>
-          <a:lstStyle/>
-          <a:p>
-            <a:r>
-              <a:rPr lang="en-US" dirty="0"/>
-              <a:t>Image Repository</a:t>
-            </a:r>
-          </a:p>
-        </p:txBody>
-      </p:sp>
-      <p:sp>
-        <p:nvSpPr>
-          <p:cNvPr id="3" name="Content Placeholder 2">
-            <a:extLst>
-              <a:ext uri="{FF2B5EF4-FFF2-40B4-BE49-F238E27FC236}">
-                <a16:creationId xmlns:a16="http://schemas.microsoft.com/office/drawing/2014/main" id="{BFE6CB94-8247-BB40-817B-A2917691BB61}"/>
-              </a:ext>
-            </a:extLst>
-          </p:cNvPr>
-          <p:cNvSpPr>
-            <a:spLocks noGrp="1"/>
-          </p:cNvSpPr>
-          <p:nvPr>
-            <p:ph idx="1"/>
-          </p:nvPr>
-        </p:nvSpPr>
-        <p:spPr/>
-        <p:txBody>
-          <a:bodyPr/>
-          <a:lstStyle/>
-          <a:p>
-            <a:pPr>
-              <a:buFontTx/>
-              <a:buChar char="-"/>
-            </a:pPr>
-            <a:r>
-              <a:rPr lang="en-US" dirty="0"/>
-              <a:t>Artifactory</a:t>
-            </a:r>
-          </a:p>
-          <a:p>
-            <a:pPr>
-              <a:buFontTx/>
-              <a:buChar char="-"/>
-            </a:pPr>
-            <a:r>
-              <a:rPr lang="en-US" dirty="0" err="1"/>
-              <a:t>Dockerhub</a:t>
-            </a:r>
-            <a:endParaRPr lang="en-US" dirty="0"/>
-          </a:p>
-          <a:p>
-            <a:pPr>
-              <a:buFontTx/>
-              <a:buChar char="-"/>
-            </a:pPr>
-            <a:r>
-              <a:rPr lang="en-US" dirty="0"/>
-              <a:t>ECR</a:t>
-            </a:r>
-          </a:p>
-          <a:p>
-            <a:pPr>
-              <a:buFontTx/>
-              <a:buChar char="-"/>
-            </a:pPr>
-            <a:r>
-              <a:rPr lang="en-US" dirty="0"/>
-              <a:t>ACR</a:t>
-            </a:r>
-          </a:p>
-          <a:p>
-            <a:pPr>
-              <a:buFontTx/>
-              <a:buChar char="-"/>
-            </a:pPr>
-            <a:endParaRPr lang="en-US" dirty="0"/>
-          </a:p>
-        </p:txBody>
-      </p:sp>
-    </p:spTree>
-    <p:extLst>
-      <p:ext uri="{BB962C8B-B14F-4D97-AF65-F5344CB8AC3E}">
-        <p14:creationId xmlns:p14="http://schemas.microsoft.com/office/powerpoint/2010/main" val="1281412213"/>
-      </p:ext>
-    </p:extLst>
-  </p:cSld>
-  <p:clrMapOvr>
-    <a:masterClrMapping/>
-  </p:clrMapOvr>
-</p:sld>
-</file>
-
-<file path=ppt/slides/slide5.xml><?xml version="1.0" encoding="utf-8"?>
-<p:sld xmlns:a="http://schemas.openxmlformats.org/drawingml/2006/main" xmlns:r="http://schemas.openxmlformats.org/officeDocument/2006/relationships" xmlns:p="http://schemas.openxmlformats.org/presentationml/2006/main">
-  <p:cSld>
-    <p:spTree>
-      <p:nvGrpSpPr>
-        <p:cNvPr id="1" name=""/>
-        <p:cNvGrpSpPr/>
-        <p:nvPr/>
-      </p:nvGrpSpPr>
-      <p:grpSpPr>
-        <a:xfrm>
-          <a:off x="0" y="0"/>
-          <a:ext cx="0" cy="0"/>
-          <a:chOff x="0" y="0"/>
-          <a:chExt cx="0" cy="0"/>
-        </a:xfrm>
-      </p:grpSpPr>
-      <p:sp>
-        <p:nvSpPr>
-          <p:cNvPr id="2" name="Title 1">
-            <a:extLst>
-              <a:ext uri="{FF2B5EF4-FFF2-40B4-BE49-F238E27FC236}">
-                <a16:creationId xmlns:a16="http://schemas.microsoft.com/office/drawing/2014/main" id="{E75DA16C-63AB-F644-9967-F9AC62FAC5F3}"/>
-              </a:ext>
-            </a:extLst>
-          </p:cNvPr>
-          <p:cNvSpPr>
-            <a:spLocks noGrp="1"/>
-          </p:cNvSpPr>
-          <p:nvPr>
-            <p:ph type="title"/>
-          </p:nvPr>
-        </p:nvSpPr>
-        <p:spPr/>
-        <p:txBody>
-          <a:bodyPr/>
-          <a:lstStyle/>
-          <a:p>
-            <a:r>
-              <a:rPr lang="en-US" dirty="0"/>
-              <a:t>Other Docker Features</a:t>
-            </a:r>
-          </a:p>
-        </p:txBody>
-      </p:sp>
-      <p:sp>
-        <p:nvSpPr>
-          <p:cNvPr id="3" name="Content Placeholder 2">
-            <a:extLst>
-              <a:ext uri="{FF2B5EF4-FFF2-40B4-BE49-F238E27FC236}">
-                <a16:creationId xmlns:a16="http://schemas.microsoft.com/office/drawing/2014/main" id="{BFE6CB94-8247-BB40-817B-A2917691BB61}"/>
-              </a:ext>
-            </a:extLst>
-          </p:cNvPr>
-          <p:cNvSpPr>
-            <a:spLocks noGrp="1"/>
-          </p:cNvSpPr>
-          <p:nvPr>
-            <p:ph idx="1"/>
-          </p:nvPr>
-        </p:nvSpPr>
-        <p:spPr/>
-        <p:txBody>
-          <a:bodyPr/>
-          <a:lstStyle/>
-          <a:p>
-            <a:pPr>
-              <a:buFontTx/>
-              <a:buChar char="-"/>
-            </a:pPr>
-            <a:r>
-              <a:rPr lang="en-US" dirty="0"/>
-              <a:t>Port Forward</a:t>
-            </a:r>
-          </a:p>
-          <a:p>
-            <a:pPr>
-              <a:buFontTx/>
-              <a:buChar char="-"/>
-            </a:pPr>
-            <a:r>
-              <a:rPr lang="en-US" dirty="0"/>
-              <a:t>Volume Mount</a:t>
-            </a:r>
-          </a:p>
-          <a:p>
-            <a:pPr>
-              <a:buFontTx/>
-              <a:buChar char="-"/>
-            </a:pPr>
-            <a:r>
-              <a:rPr lang="en-US" dirty="0"/>
-              <a:t>Environment Injection</a:t>
-            </a:r>
-          </a:p>
-          <a:p>
-            <a:pPr marL="0" indent="0">
-              <a:buNone/>
-            </a:pPr>
-            <a:endParaRPr lang="en-US" dirty="0"/>
-          </a:p>
-          <a:p>
-            <a:pPr>
-              <a:buFontTx/>
-              <a:buChar char="-"/>
-            </a:pPr>
-            <a:endParaRPr lang="en-US" dirty="0"/>
-          </a:p>
-          <a:p>
-            <a:pPr>
-              <a:buFontTx/>
-              <a:buChar char="-"/>
-            </a:pPr>
-            <a:endParaRPr lang="en-US" dirty="0"/>
-          </a:p>
-        </p:txBody>
-      </p:sp>
-    </p:spTree>
-    <p:extLst>
-      <p:ext uri="{BB962C8B-B14F-4D97-AF65-F5344CB8AC3E}">
-        <p14:creationId xmlns:p14="http://schemas.microsoft.com/office/powerpoint/2010/main" val="1561756691"/>
-      </p:ext>
-    </p:extLst>
-  </p:cSld>
-  <p:clrMapOvr>
-    <a:masterClrMapping/>
-  </p:clrMapOvr>
-</p:sld>
-</file>
-
-<file path=ppt/slides/slide6.xml><?xml version="1.0" encoding="utf-8"?>
-<p:sld xmlns:a="http://schemas.openxmlformats.org/drawingml/2006/main" xmlns:r="http://schemas.openxmlformats.org/officeDocument/2006/relationships" xmlns:p="http://schemas.openxmlformats.org/presentationml/2006/main">
-  <p:cSld>
-    <p:spTree>
-      <p:nvGrpSpPr>
-        <p:cNvPr id="1" name=""/>
-        <p:cNvGrpSpPr/>
-        <p:nvPr/>
-      </p:nvGrpSpPr>
-      <p:grpSpPr>
-        <a:xfrm>
-          <a:off x="0" y="0"/>
-          <a:ext cx="0" cy="0"/>
-          <a:chOff x="0" y="0"/>
-          <a:chExt cx="0" cy="0"/>
-        </a:xfrm>
-      </p:grpSpPr>
-      <p:sp>
-        <p:nvSpPr>
-          <p:cNvPr id="2" name="Title 1">
-            <a:extLst>
-              <a:ext uri="{FF2B5EF4-FFF2-40B4-BE49-F238E27FC236}">
-                <a16:creationId xmlns:a16="http://schemas.microsoft.com/office/drawing/2014/main" id="{E75DA16C-63AB-F644-9967-F9AC62FAC5F3}"/>
-              </a:ext>
-            </a:extLst>
-          </p:cNvPr>
-          <p:cNvSpPr>
-            <a:spLocks noGrp="1"/>
-          </p:cNvSpPr>
-          <p:nvPr>
-            <p:ph type="title"/>
-          </p:nvPr>
-        </p:nvSpPr>
-        <p:spPr/>
-        <p:txBody>
-          <a:bodyPr/>
-          <a:lstStyle/>
-          <a:p>
-            <a:r>
-              <a:rPr lang="en-US" dirty="0"/>
-              <a:t>Anti Pattern</a:t>
-            </a:r>
-          </a:p>
-        </p:txBody>
-      </p:sp>
-      <p:sp>
-        <p:nvSpPr>
-          <p:cNvPr id="3" name="Content Placeholder 2">
-            <a:extLst>
-              <a:ext uri="{FF2B5EF4-FFF2-40B4-BE49-F238E27FC236}">
-                <a16:creationId xmlns:a16="http://schemas.microsoft.com/office/drawing/2014/main" id="{BFE6CB94-8247-BB40-817B-A2917691BB61}"/>
-              </a:ext>
-            </a:extLst>
-          </p:cNvPr>
-          <p:cNvSpPr>
-            <a:spLocks noGrp="1"/>
-          </p:cNvSpPr>
-          <p:nvPr>
-            <p:ph idx="1"/>
-          </p:nvPr>
-        </p:nvSpPr>
-        <p:spPr/>
-        <p:txBody>
-          <a:bodyPr/>
-          <a:lstStyle/>
-          <a:p>
-            <a:pPr>
-              <a:buFontTx/>
-              <a:buChar char="-"/>
-            </a:pPr>
-            <a:r>
-              <a:rPr lang="en-US" dirty="0"/>
-              <a:t>Avoid putting Secrets and Keys</a:t>
-            </a:r>
-          </a:p>
-          <a:p>
-            <a:r>
-              <a:rPr lang="en-US" dirty="0"/>
-              <a:t>Building different images per environment.</a:t>
-            </a:r>
-          </a:p>
-          <a:p>
-            <a:r>
-              <a:rPr lang="en-US" dirty="0"/>
-              <a:t>Attempting to use VM practices on containers.</a:t>
-            </a:r>
-          </a:p>
-          <a:p>
-            <a:endParaRPr lang="en-US" dirty="0"/>
-          </a:p>
-        </p:txBody>
-      </p:sp>
-    </p:spTree>
-    <p:extLst>
-      <p:ext uri="{BB962C8B-B14F-4D97-AF65-F5344CB8AC3E}">
-        <p14:creationId xmlns:p14="http://schemas.microsoft.com/office/powerpoint/2010/main" val="3627932224"/>
-      </p:ext>
-    </p:extLst>
-  </p:cSld>
-  <p:clrMapOvr>
-    <a:masterClrMapping/>
-  </p:clrMapOvr>
-</p:sld>
-</file>
-
-<file path=ppt/slides/slide7.xml><?xml version="1.0" encoding="utf-8"?>
-<p:sld xmlns:a="http://schemas.openxmlformats.org/drawingml/2006/main" xmlns:r="http://schemas.openxmlformats.org/officeDocument/2006/relationships" xmlns:p="http://schemas.openxmlformats.org/presentationml/2006/main">
-  <p:cSld>
-    <p:spTree>
-      <p:nvGrpSpPr>
-        <p:cNvPr id="1" name=""/>
-        <p:cNvGrpSpPr/>
-        <p:nvPr/>
-      </p:nvGrpSpPr>
-      <p:grpSpPr>
-        <a:xfrm>
-          <a:off x="0" y="0"/>
-          <a:ext cx="0" cy="0"/>
-          <a:chOff x="0" y="0"/>
-          <a:chExt cx="0" cy="0"/>
-        </a:xfrm>
-      </p:grpSpPr>
-      <p:sp>
-        <p:nvSpPr>
-          <p:cNvPr id="2" name="Title 1">
-            <a:extLst>
-              <a:ext uri="{FF2B5EF4-FFF2-40B4-BE49-F238E27FC236}">
-                <a16:creationId xmlns:a16="http://schemas.microsoft.com/office/drawing/2014/main" id="{01ED87FC-94CA-BF4C-9921-156A2E7B3BCD}"/>
-              </a:ext>
-            </a:extLst>
-          </p:cNvPr>
-          <p:cNvSpPr>
-            <a:spLocks noGrp="1"/>
-          </p:cNvSpPr>
-          <p:nvPr>
-            <p:ph type="title"/>
-          </p:nvPr>
-        </p:nvSpPr>
-        <p:spPr/>
-        <p:txBody>
-          <a:bodyPr/>
-          <a:lstStyle/>
-          <a:p>
-            <a:r>
-              <a:rPr lang="en-US" dirty="0"/>
-              <a:t>Kubernetes</a:t>
-            </a:r>
-          </a:p>
-        </p:txBody>
-      </p:sp>
-      <p:sp>
-        <p:nvSpPr>
-          <p:cNvPr id="3" name="Content Placeholder 2">
-            <a:extLst>
-              <a:ext uri="{FF2B5EF4-FFF2-40B4-BE49-F238E27FC236}">
-                <a16:creationId xmlns:a16="http://schemas.microsoft.com/office/drawing/2014/main" id="{8C8B6483-DE97-1B4A-BE6C-750348726DF5}"/>
-              </a:ext>
-            </a:extLst>
-          </p:cNvPr>
-          <p:cNvSpPr>
-            <a:spLocks noGrp="1"/>
-          </p:cNvSpPr>
-          <p:nvPr>
-            <p:ph idx="1"/>
-          </p:nvPr>
-        </p:nvSpPr>
-        <p:spPr/>
-        <p:txBody>
-          <a:bodyPr/>
-          <a:lstStyle/>
-          <a:p>
-            <a:endParaRPr lang="en-US"/>
-          </a:p>
-        </p:txBody>
-      </p:sp>
-    </p:spTree>
-    <p:extLst>
-      <p:ext uri="{BB962C8B-B14F-4D97-AF65-F5344CB8AC3E}">
-        <p14:creationId xmlns:p14="http://schemas.microsoft.com/office/powerpoint/2010/main" val="360722982"/>
-      </p:ext>
-    </p:extLst>
-  </p:cSld>
-  <p:clrMapOvr>
-    <a:masterClrMapping/>
-  </p:clrMapOvr>
-</p:sld>
-</file>
-
-<file path=ppt/slides/slide8.xml><?xml version="1.0" encoding="utf-8"?>
-<p:sld xmlns:a="http://schemas.openxmlformats.org/drawingml/2006/main" xmlns:r="http://schemas.openxmlformats.org/officeDocument/2006/relationships" xmlns:p="http://schemas.openxmlformats.org/presentationml/2006/main">
-  <p:cSld>
-    <p:spTree>
-      <p:nvGrpSpPr>
-        <p:cNvPr id="1" name=""/>
-        <p:cNvGrpSpPr/>
-        <p:nvPr/>
-      </p:nvGrpSpPr>
-      <p:grpSpPr>
-        <a:xfrm>
-          <a:off x="0" y="0"/>
-          <a:ext cx="0" cy="0"/>
-          <a:chOff x="0" y="0"/>
-          <a:chExt cx="0" cy="0"/>
-        </a:xfrm>
-      </p:grpSpPr>
-      <p:sp>
-        <p:nvSpPr>
-          <p:cNvPr id="2" name="Title 1">
-            <a:extLst>
-              <a:ext uri="{FF2B5EF4-FFF2-40B4-BE49-F238E27FC236}">
                 <a16:creationId xmlns:a16="http://schemas.microsoft.com/office/drawing/2014/main" id="{0ED37546-9571-0648-A5CB-A213CBF32DC0}"/>
               </a:ext>
             </a:extLst>
@@ -4339,7 +4653,7 @@
 </p:sld>
 </file>
 
-<file path=ppt/slides/slide9.xml><?xml version="1.0" encoding="utf-8"?>
+<file path=ppt/slides/slide13.xml><?xml version="1.0" encoding="utf-8"?>
 <p:sld xmlns:a="http://schemas.openxmlformats.org/drawingml/2006/main" xmlns:r="http://schemas.openxmlformats.org/officeDocument/2006/relationships" xmlns:p="http://schemas.openxmlformats.org/presentationml/2006/main">
   <p:cSld>
     <p:spTree>
@@ -4450,6 +4764,2478 @@
     <a:masterClrMapping/>
   </p:clrMapOvr>
 </p:sld>
+</file>
+
+<file path=ppt/slides/slide14.xml><?xml version="1.0" encoding="utf-8"?>
+<p:sld xmlns:a="http://schemas.openxmlformats.org/drawingml/2006/main" xmlns:r="http://schemas.openxmlformats.org/officeDocument/2006/relationships" xmlns:p="http://schemas.openxmlformats.org/presentationml/2006/main">
+  <p:cSld>
+    <p:spTree>
+      <p:nvGrpSpPr>
+        <p:cNvPr id="1" name=""/>
+        <p:cNvGrpSpPr/>
+        <p:nvPr/>
+      </p:nvGrpSpPr>
+      <p:grpSpPr>
+        <a:xfrm>
+          <a:off x="0" y="0"/>
+          <a:ext cx="0" cy="0"/>
+          <a:chOff x="0" y="0"/>
+          <a:chExt cx="0" cy="0"/>
+        </a:xfrm>
+      </p:grpSpPr>
+      <p:sp>
+        <p:nvSpPr>
+          <p:cNvPr id="2" name="Title 1">
+            <a:extLst>
+              <a:ext uri="{FF2B5EF4-FFF2-40B4-BE49-F238E27FC236}">
+                <a16:creationId xmlns:a16="http://schemas.microsoft.com/office/drawing/2014/main" id="{4CD227E9-DA1C-714D-BF57-28DAEECE84C7}"/>
+              </a:ext>
+            </a:extLst>
+          </p:cNvPr>
+          <p:cNvSpPr>
+            <a:spLocks noGrp="1"/>
+          </p:cNvSpPr>
+          <p:nvPr>
+            <p:ph type="title"/>
+          </p:nvPr>
+        </p:nvSpPr>
+        <p:spPr/>
+        <p:txBody>
+          <a:bodyPr/>
+          <a:lstStyle/>
+          <a:p>
+            <a:r>
+              <a:rPr lang="en-US" dirty="0"/>
+              <a:t>Core Concepts</a:t>
+            </a:r>
+          </a:p>
+        </p:txBody>
+      </p:sp>
+      <p:sp>
+        <p:nvSpPr>
+          <p:cNvPr id="3" name="Content Placeholder 2">
+            <a:extLst>
+              <a:ext uri="{FF2B5EF4-FFF2-40B4-BE49-F238E27FC236}">
+                <a16:creationId xmlns:a16="http://schemas.microsoft.com/office/drawing/2014/main" id="{62BE62EC-7665-5148-A53A-9DBA82C5AAAC}"/>
+              </a:ext>
+            </a:extLst>
+          </p:cNvPr>
+          <p:cNvSpPr>
+            <a:spLocks noGrp="1"/>
+          </p:cNvSpPr>
+          <p:nvPr>
+            <p:ph idx="1"/>
+          </p:nvPr>
+        </p:nvSpPr>
+        <p:spPr/>
+        <p:txBody>
+          <a:bodyPr/>
+          <a:lstStyle/>
+          <a:p>
+            <a:r>
+              <a:rPr lang="en-US" dirty="0"/>
+              <a:t>Namespace</a:t>
+            </a:r>
+          </a:p>
+          <a:p>
+            <a:r>
+              <a:rPr lang="en-US" dirty="0"/>
+              <a:t>Pod</a:t>
+            </a:r>
+          </a:p>
+          <a:p>
+            <a:r>
+              <a:rPr lang="en-US" dirty="0"/>
+              <a:t>Deployment</a:t>
+            </a:r>
+          </a:p>
+          <a:p>
+            <a:r>
+              <a:rPr lang="en-US" dirty="0"/>
+              <a:t>Service</a:t>
+            </a:r>
+          </a:p>
+          <a:p>
+            <a:r>
+              <a:rPr lang="en-US" dirty="0"/>
+              <a:t>Ingress</a:t>
+            </a:r>
+          </a:p>
+          <a:p>
+            <a:endParaRPr lang="en-US" dirty="0"/>
+          </a:p>
+        </p:txBody>
+      </p:sp>
+    </p:spTree>
+    <p:extLst>
+      <p:ext uri="{BB962C8B-B14F-4D97-AF65-F5344CB8AC3E}">
+        <p14:creationId xmlns:p14="http://schemas.microsoft.com/office/powerpoint/2010/main" val="2645409588"/>
+      </p:ext>
+    </p:extLst>
+  </p:cSld>
+  <p:clrMapOvr>
+    <a:masterClrMapping/>
+  </p:clrMapOvr>
+</p:sld>
+</file>
+
+<file path=ppt/slides/slide15.xml><?xml version="1.0" encoding="utf-8"?>
+<p:sld xmlns:a="http://schemas.openxmlformats.org/drawingml/2006/main" xmlns:r="http://schemas.openxmlformats.org/officeDocument/2006/relationships" xmlns:p="http://schemas.openxmlformats.org/presentationml/2006/main">
+  <p:cSld>
+    <p:spTree>
+      <p:nvGrpSpPr>
+        <p:cNvPr id="1" name=""/>
+        <p:cNvGrpSpPr/>
+        <p:nvPr/>
+      </p:nvGrpSpPr>
+      <p:grpSpPr>
+        <a:xfrm>
+          <a:off x="0" y="0"/>
+          <a:ext cx="0" cy="0"/>
+          <a:chOff x="0" y="0"/>
+          <a:chExt cx="0" cy="0"/>
+        </a:xfrm>
+      </p:grpSpPr>
+      <p:sp>
+        <p:nvSpPr>
+          <p:cNvPr id="2" name="Title 1">
+            <a:extLst>
+              <a:ext uri="{FF2B5EF4-FFF2-40B4-BE49-F238E27FC236}">
+                <a16:creationId xmlns:a16="http://schemas.microsoft.com/office/drawing/2014/main" id="{BE28667D-18C3-8D48-B52F-B9FD5F97815A}"/>
+              </a:ext>
+            </a:extLst>
+          </p:cNvPr>
+          <p:cNvSpPr>
+            <a:spLocks noGrp="1"/>
+          </p:cNvSpPr>
+          <p:nvPr>
+            <p:ph type="title"/>
+          </p:nvPr>
+        </p:nvSpPr>
+        <p:spPr/>
+        <p:txBody>
+          <a:bodyPr/>
+          <a:lstStyle/>
+          <a:p>
+            <a:r>
+              <a:rPr lang="en-US" dirty="0"/>
+              <a:t>Core Concepts</a:t>
+            </a:r>
+          </a:p>
+        </p:txBody>
+      </p:sp>
+      <p:sp>
+        <p:nvSpPr>
+          <p:cNvPr id="3" name="Content Placeholder 2">
+            <a:extLst>
+              <a:ext uri="{FF2B5EF4-FFF2-40B4-BE49-F238E27FC236}">
+                <a16:creationId xmlns:a16="http://schemas.microsoft.com/office/drawing/2014/main" id="{D12CA317-6577-8D43-8732-A89DF4331398}"/>
+              </a:ext>
+            </a:extLst>
+          </p:cNvPr>
+          <p:cNvSpPr>
+            <a:spLocks noGrp="1"/>
+          </p:cNvSpPr>
+          <p:nvPr>
+            <p:ph idx="1"/>
+          </p:nvPr>
+        </p:nvSpPr>
+        <p:spPr/>
+        <p:txBody>
+          <a:bodyPr/>
+          <a:lstStyle/>
+          <a:p>
+            <a:r>
+              <a:rPr lang="en-US" dirty="0"/>
+              <a:t>Secret</a:t>
+            </a:r>
+          </a:p>
+          <a:p>
+            <a:r>
+              <a:rPr lang="en-US" dirty="0" err="1"/>
+              <a:t>Configmap</a:t>
+            </a:r>
+            <a:endParaRPr lang="en-US" dirty="0"/>
+          </a:p>
+          <a:p>
+            <a:r>
+              <a:rPr lang="en-US" dirty="0" err="1"/>
+              <a:t>Persistance</a:t>
+            </a:r>
+            <a:r>
+              <a:rPr lang="en-US" dirty="0"/>
+              <a:t> Storage</a:t>
+            </a:r>
+          </a:p>
+          <a:p>
+            <a:endParaRPr lang="en-US" dirty="0"/>
+          </a:p>
+          <a:p>
+            <a:endParaRPr lang="en-US" dirty="0"/>
+          </a:p>
+        </p:txBody>
+      </p:sp>
+    </p:spTree>
+    <p:extLst>
+      <p:ext uri="{BB962C8B-B14F-4D97-AF65-F5344CB8AC3E}">
+        <p14:creationId xmlns:p14="http://schemas.microsoft.com/office/powerpoint/2010/main" val="929939759"/>
+      </p:ext>
+    </p:extLst>
+  </p:cSld>
+  <p:clrMapOvr>
+    <a:masterClrMapping/>
+  </p:clrMapOvr>
+</p:sld>
+</file>
+
+<file path=ppt/slides/slide2.xml><?xml version="1.0" encoding="utf-8"?>
+<p:sld xmlns:a="http://schemas.openxmlformats.org/drawingml/2006/main" xmlns:r="http://schemas.openxmlformats.org/officeDocument/2006/relationships" xmlns:p="http://schemas.openxmlformats.org/presentationml/2006/main">
+  <p:cSld>
+    <p:spTree>
+      <p:nvGrpSpPr>
+        <p:cNvPr id="1" name=""/>
+        <p:cNvGrpSpPr/>
+        <p:nvPr/>
+      </p:nvGrpSpPr>
+      <p:grpSpPr>
+        <a:xfrm>
+          <a:off x="0" y="0"/>
+          <a:ext cx="0" cy="0"/>
+          <a:chOff x="0" y="0"/>
+          <a:chExt cx="0" cy="0"/>
+        </a:xfrm>
+      </p:grpSpPr>
+      <p:sp>
+        <p:nvSpPr>
+          <p:cNvPr id="3" name="Content Placeholder 2">
+            <a:extLst>
+              <a:ext uri="{FF2B5EF4-FFF2-40B4-BE49-F238E27FC236}">
+                <a16:creationId xmlns:a16="http://schemas.microsoft.com/office/drawing/2014/main" id="{D24E44FE-D827-414E-94E8-3381E4F086C4}"/>
+              </a:ext>
+            </a:extLst>
+          </p:cNvPr>
+          <p:cNvSpPr>
+            <a:spLocks noGrp="1"/>
+          </p:cNvSpPr>
+          <p:nvPr>
+            <p:ph idx="1"/>
+          </p:nvPr>
+        </p:nvSpPr>
+        <p:spPr/>
+        <p:txBody>
+          <a:bodyPr>
+            <a:normAutofit/>
+          </a:bodyPr>
+          <a:lstStyle/>
+          <a:p>
+            <a:pPr marL="0" indent="0" algn="ctr">
+              <a:buNone/>
+            </a:pPr>
+            <a:r>
+              <a:rPr lang="en-US" sz="5400" dirty="0"/>
+              <a:t>Who we are </a:t>
+            </a:r>
+          </a:p>
+          <a:p>
+            <a:pPr marL="0" indent="0" algn="ctr">
+              <a:buNone/>
+            </a:pPr>
+            <a:r>
+              <a:rPr lang="en-US" sz="5400" dirty="0"/>
+              <a:t>and </a:t>
+            </a:r>
+          </a:p>
+          <a:p>
+            <a:pPr marL="0" indent="0" algn="ctr">
+              <a:buNone/>
+            </a:pPr>
+            <a:r>
+              <a:rPr lang="en-US" sz="5400" dirty="0"/>
+              <a:t>What we do</a:t>
+            </a:r>
+          </a:p>
+        </p:txBody>
+      </p:sp>
+    </p:spTree>
+    <p:extLst>
+      <p:ext uri="{BB962C8B-B14F-4D97-AF65-F5344CB8AC3E}">
+        <p14:creationId xmlns:p14="http://schemas.microsoft.com/office/powerpoint/2010/main" val="2651719967"/>
+      </p:ext>
+    </p:extLst>
+  </p:cSld>
+  <p:clrMapOvr>
+    <a:masterClrMapping/>
+  </p:clrMapOvr>
+</p:sld>
+</file>
+
+<file path=ppt/slides/slide3.xml><?xml version="1.0" encoding="utf-8"?>
+<p:sld xmlns:a="http://schemas.openxmlformats.org/drawingml/2006/main" xmlns:r="http://schemas.openxmlformats.org/officeDocument/2006/relationships" xmlns:p="http://schemas.openxmlformats.org/presentationml/2006/main">
+  <p:cSld>
+    <p:spTree>
+      <p:nvGrpSpPr>
+        <p:cNvPr id="1" name=""/>
+        <p:cNvGrpSpPr/>
+        <p:nvPr/>
+      </p:nvGrpSpPr>
+      <p:grpSpPr>
+        <a:xfrm>
+          <a:off x="0" y="0"/>
+          <a:ext cx="0" cy="0"/>
+          <a:chOff x="0" y="0"/>
+          <a:chExt cx="0" cy="0"/>
+        </a:xfrm>
+      </p:grpSpPr>
+      <p:sp>
+        <p:nvSpPr>
+          <p:cNvPr id="4" name="Slide Number Placeholder 3">
+            <a:extLst>
+              <a:ext uri="{FF2B5EF4-FFF2-40B4-BE49-F238E27FC236}">
+                <a16:creationId xmlns:a16="http://schemas.microsoft.com/office/drawing/2014/main" id="{ABF43AD1-6AAB-1343-8E57-35CA36F8A7CE}"/>
+              </a:ext>
+            </a:extLst>
+          </p:cNvPr>
+          <p:cNvSpPr>
+            <a:spLocks noGrp="1"/>
+          </p:cNvSpPr>
+          <p:nvPr>
+            <p:ph type="sldNum" sz="quarter" idx="16"/>
+          </p:nvPr>
+        </p:nvSpPr>
+        <p:spPr/>
+        <p:txBody>
+          <a:bodyPr/>
+          <a:lstStyle/>
+          <a:p>
+            <a:fld id="{901F1369-4AEB-4520-96C0-9F78886180C1}" type="slidenum">
+              <a:rPr lang="en-US" smtClean="0"/>
+              <a:pPr/>
+              <a:t>3</a:t>
+            </a:fld>
+            <a:endParaRPr lang="en-US"/>
+          </a:p>
+        </p:txBody>
+      </p:sp>
+      <p:sp>
+        <p:nvSpPr>
+          <p:cNvPr id="5" name="Title 4">
+            <a:extLst>
+              <a:ext uri="{FF2B5EF4-FFF2-40B4-BE49-F238E27FC236}">
+                <a16:creationId xmlns:a16="http://schemas.microsoft.com/office/drawing/2014/main" id="{7A14B6EC-FA87-4547-8483-CA2CC61B2998}"/>
+              </a:ext>
+            </a:extLst>
+          </p:cNvPr>
+          <p:cNvSpPr>
+            <a:spLocks noGrp="1"/>
+          </p:cNvSpPr>
+          <p:nvPr>
+            <p:ph type="title"/>
+          </p:nvPr>
+        </p:nvSpPr>
+        <p:spPr/>
+        <p:txBody>
+          <a:bodyPr/>
+          <a:lstStyle/>
+          <a:p>
+            <a:r>
+              <a:rPr lang="en-US"/>
+              <a:t>Conceptual Data Pipeline</a:t>
+            </a:r>
+          </a:p>
+        </p:txBody>
+      </p:sp>
+      <p:sp>
+        <p:nvSpPr>
+          <p:cNvPr id="32" name="Can 31">
+            <a:extLst>
+              <a:ext uri="{FF2B5EF4-FFF2-40B4-BE49-F238E27FC236}">
+                <a16:creationId xmlns:a16="http://schemas.microsoft.com/office/drawing/2014/main" id="{007CA878-F52A-F04F-A7FB-411A641F5FD4}"/>
+              </a:ext>
+            </a:extLst>
+          </p:cNvPr>
+          <p:cNvSpPr/>
+          <p:nvPr/>
+        </p:nvSpPr>
+        <p:spPr>
+          <a:xfrm>
+            <a:off x="914402" y="1720392"/>
+            <a:ext cx="661012" cy="487496"/>
+          </a:xfrm>
+          <a:prstGeom prst="can">
+            <a:avLst/>
+          </a:prstGeom>
+          <a:solidFill>
+            <a:schemeClr val="accent4"/>
+          </a:solidFill>
+          <a:ln>
+            <a:noFill/>
+          </a:ln>
+        </p:spPr>
+        <p:style>
+          <a:lnRef idx="2">
+            <a:schemeClr val="accent1">
+              <a:shade val="50000"/>
+            </a:schemeClr>
+          </a:lnRef>
+          <a:fillRef idx="1">
+            <a:schemeClr val="accent1"/>
+          </a:fillRef>
+          <a:effectRef idx="0">
+            <a:schemeClr val="accent1"/>
+          </a:effectRef>
+          <a:fontRef idx="minor">
+            <a:schemeClr val="lt1"/>
+          </a:fontRef>
+        </p:style>
+        <p:txBody>
+          <a:bodyPr rot="0" spcFirstLastPara="0" vertOverflow="overflow" horzOverflow="overflow" vert="horz" wrap="square" lIns="91440" tIns="45720" rIns="91440" bIns="45720" numCol="1" spcCol="0" rtlCol="0" fromWordArt="0" anchor="ctr" anchorCtr="0" forceAA="0" compatLnSpc="1">
+            <a:prstTxWarp prst="textNoShape">
+              <a:avLst/>
+            </a:prstTxWarp>
+            <a:noAutofit/>
+          </a:bodyPr>
+          <a:lstStyle/>
+          <a:p>
+            <a:pPr algn="ctr" rtl="0" eaLnBrk="1" fontAlgn="auto" hangingPunct="1">
+              <a:lnSpc>
+                <a:spcPct val="100000"/>
+              </a:lnSpc>
+              <a:spcBef>
+                <a:spcPts val="0"/>
+              </a:spcBef>
+              <a:spcAft>
+                <a:spcPts val="0"/>
+              </a:spcAft>
+            </a:pPr>
+            <a:endParaRPr lang="en-US" sz="1800" b="0" i="0" u="none" baseline="0">
+              <a:solidFill>
+                <a:srgbClr val="FFFFFF"/>
+              </a:solidFill>
+              <a:latin typeface="Arial"/>
+            </a:endParaRPr>
+          </a:p>
+        </p:txBody>
+      </p:sp>
+      <p:pic>
+        <p:nvPicPr>
+          <p:cNvPr id="40" name="Picture 10" descr="Kafka Logo | Letter K | Logos &amp; Types | Real Letter Logos">
+            <a:extLst>
+              <a:ext uri="{FF2B5EF4-FFF2-40B4-BE49-F238E27FC236}">
+                <a16:creationId xmlns:a16="http://schemas.microsoft.com/office/drawing/2014/main" id="{DB8BBF5E-9BCA-E145-A745-5090D1A8FB63}"/>
+              </a:ext>
+            </a:extLst>
+          </p:cNvPr>
+          <p:cNvPicPr>
+            <a:picLocks noChangeAspect="1" noChangeArrowheads="1"/>
+          </p:cNvPicPr>
+          <p:nvPr/>
+        </p:nvPicPr>
+        <p:blipFill>
+          <a:blip r:embed="rId3">
+            <a:extLst>
+              <a:ext uri="{28A0092B-C50C-407E-A947-70E740481C1C}">
+                <a14:useLocalDpi xmlns:a14="http://schemas.microsoft.com/office/drawing/2010/main" val="0"/>
+              </a:ext>
+            </a:extLst>
+          </a:blip>
+          <a:srcRect/>
+          <a:stretch>
+            <a:fillRect/>
+          </a:stretch>
+        </p:blipFill>
+        <p:spPr bwMode="auto">
+          <a:xfrm>
+            <a:off x="3232081" y="1796776"/>
+            <a:ext cx="400773" cy="400773"/>
+          </a:xfrm>
+          <a:prstGeom prst="rect">
+            <a:avLst/>
+          </a:prstGeom>
+          <a:solidFill>
+            <a:schemeClr val="accent5"/>
+          </a:solidFill>
+          <a:ln>
+            <a:noFill/>
+          </a:ln>
+        </p:spPr>
+      </p:pic>
+      <p:pic>
+        <p:nvPicPr>
+          <p:cNvPr id="41" name="Picture 10" descr="Kafka Logo | Letter K | Logos &amp; Types | Real Letter Logos">
+            <a:extLst>
+              <a:ext uri="{FF2B5EF4-FFF2-40B4-BE49-F238E27FC236}">
+                <a16:creationId xmlns:a16="http://schemas.microsoft.com/office/drawing/2014/main" id="{50D7B4A1-9164-6C48-91FA-B771CF4DD330}"/>
+              </a:ext>
+            </a:extLst>
+          </p:cNvPr>
+          <p:cNvPicPr>
+            <a:picLocks noChangeAspect="1" noChangeArrowheads="1"/>
+          </p:cNvPicPr>
+          <p:nvPr/>
+        </p:nvPicPr>
+        <p:blipFill>
+          <a:blip r:embed="rId3">
+            <a:extLst>
+              <a:ext uri="{28A0092B-C50C-407E-A947-70E740481C1C}">
+                <a14:useLocalDpi xmlns:a14="http://schemas.microsoft.com/office/drawing/2010/main" val="0"/>
+              </a:ext>
+            </a:extLst>
+          </a:blip>
+          <a:srcRect/>
+          <a:stretch>
+            <a:fillRect/>
+          </a:stretch>
+        </p:blipFill>
+        <p:spPr bwMode="auto">
+          <a:xfrm>
+            <a:off x="5155992" y="1766567"/>
+            <a:ext cx="400773" cy="400773"/>
+          </a:xfrm>
+          <a:prstGeom prst="rect">
+            <a:avLst/>
+          </a:prstGeom>
+          <a:solidFill>
+            <a:schemeClr val="accent5"/>
+          </a:solidFill>
+          <a:ln>
+            <a:noFill/>
+          </a:ln>
+        </p:spPr>
+      </p:pic>
+      <p:pic>
+        <p:nvPicPr>
+          <p:cNvPr id="42" name="Picture 10" descr="Kafka Logo | Letter K | Logos &amp; Types | Real Letter Logos">
+            <a:extLst>
+              <a:ext uri="{FF2B5EF4-FFF2-40B4-BE49-F238E27FC236}">
+                <a16:creationId xmlns:a16="http://schemas.microsoft.com/office/drawing/2014/main" id="{C5D41EB9-9F71-F243-B4B8-6029C904A9DD}"/>
+              </a:ext>
+            </a:extLst>
+          </p:cNvPr>
+          <p:cNvPicPr>
+            <a:picLocks noChangeAspect="1" noChangeArrowheads="1"/>
+          </p:cNvPicPr>
+          <p:nvPr/>
+        </p:nvPicPr>
+        <p:blipFill>
+          <a:blip r:embed="rId3">
+            <a:extLst>
+              <a:ext uri="{28A0092B-C50C-407E-A947-70E740481C1C}">
+                <a14:useLocalDpi xmlns:a14="http://schemas.microsoft.com/office/drawing/2010/main" val="0"/>
+              </a:ext>
+            </a:extLst>
+          </a:blip>
+          <a:srcRect/>
+          <a:stretch>
+            <a:fillRect/>
+          </a:stretch>
+        </p:blipFill>
+        <p:spPr bwMode="auto">
+          <a:xfrm>
+            <a:off x="6836839" y="1759414"/>
+            <a:ext cx="400773" cy="400773"/>
+          </a:xfrm>
+          <a:prstGeom prst="rect">
+            <a:avLst/>
+          </a:prstGeom>
+          <a:solidFill>
+            <a:schemeClr val="accent5"/>
+          </a:solidFill>
+          <a:ln>
+            <a:noFill/>
+          </a:ln>
+        </p:spPr>
+      </p:pic>
+      <p:grpSp>
+        <p:nvGrpSpPr>
+          <p:cNvPr id="57" name="Group 56">
+            <a:extLst>
+              <a:ext uri="{FF2B5EF4-FFF2-40B4-BE49-F238E27FC236}">
+                <a16:creationId xmlns:a16="http://schemas.microsoft.com/office/drawing/2014/main" id="{29824D79-4529-BE45-86BD-9A4307461E1D}"/>
+              </a:ext>
+            </a:extLst>
+          </p:cNvPr>
+          <p:cNvGrpSpPr/>
+          <p:nvPr/>
+        </p:nvGrpSpPr>
+        <p:grpSpPr>
+          <a:xfrm>
+            <a:off x="1833251" y="1760940"/>
+            <a:ext cx="1461599" cy="2312449"/>
+            <a:chOff x="1679013" y="2961778"/>
+            <a:chExt cx="1461599" cy="2312449"/>
+          </a:xfrm>
+        </p:grpSpPr>
+        <p:pic>
+          <p:nvPicPr>
+            <p:cNvPr id="34" name="Picture 33">
+              <a:extLst>
+                <a:ext uri="{FF2B5EF4-FFF2-40B4-BE49-F238E27FC236}">
+                  <a16:creationId xmlns:a16="http://schemas.microsoft.com/office/drawing/2014/main" id="{A4F7C013-D5A7-1944-8ECC-DE6A8C322507}"/>
+                </a:ext>
+              </a:extLst>
+            </p:cNvPr>
+            <p:cNvPicPr>
+              <a:picLocks noChangeAspect="1"/>
+            </p:cNvPicPr>
+            <p:nvPr/>
+          </p:nvPicPr>
+          <p:blipFill>
+            <a:blip r:embed="rId4">
+              <a:extLst>
+                <a:ext uri="{28A0092B-C50C-407E-A947-70E740481C1C}">
+                  <a14:useLocalDpi xmlns:a14="http://schemas.microsoft.com/office/drawing/2010/main" val="0"/>
+                </a:ext>
+              </a:extLst>
+            </a:blip>
+            <a:stretch>
+              <a:fillRect/>
+            </a:stretch>
+          </p:blipFill>
+          <p:spPr>
+            <a:xfrm>
+              <a:off x="2206612" y="2961778"/>
+              <a:ext cx="406400" cy="406400"/>
+            </a:xfrm>
+            <a:prstGeom prst="rect">
+              <a:avLst/>
+            </a:prstGeom>
+          </p:spPr>
+        </p:pic>
+        <p:sp>
+          <p:nvSpPr>
+            <p:cNvPr id="44" name="Rectangle 43">
+              <a:extLst>
+                <a:ext uri="{FF2B5EF4-FFF2-40B4-BE49-F238E27FC236}">
+                  <a16:creationId xmlns:a16="http://schemas.microsoft.com/office/drawing/2014/main" id="{26BD1EEA-30B5-BA42-83AB-C8564716AEC2}"/>
+                </a:ext>
+              </a:extLst>
+            </p:cNvPr>
+            <p:cNvSpPr/>
+            <p:nvPr/>
+          </p:nvSpPr>
+          <p:spPr>
+            <a:xfrm>
+              <a:off x="1851624" y="3548327"/>
+              <a:ext cx="1116376" cy="646331"/>
+            </a:xfrm>
+            <a:prstGeom prst="rect">
+              <a:avLst/>
+            </a:prstGeom>
+          </p:spPr>
+          <p:txBody>
+            <a:bodyPr wrap="square">
+              <a:spAutoFit/>
+            </a:bodyPr>
+            <a:lstStyle/>
+            <a:p>
+              <a:pPr algn="ctr"/>
+              <a:r>
+                <a:rPr lang="en-US" sz="1200">
+                  <a:solidFill>
+                    <a:schemeClr val="accent1"/>
+                  </a:solidFill>
+                </a:rPr>
+                <a:t>Data Ingestion</a:t>
+              </a:r>
+            </a:p>
+            <a:p>
+              <a:pPr algn="ctr"/>
+              <a:r>
+                <a:rPr lang="en-US" sz="1200">
+                  <a:solidFill>
+                    <a:schemeClr val="accent1"/>
+                  </a:solidFill>
+                </a:rPr>
+                <a:t>Services</a:t>
+              </a:r>
+            </a:p>
+          </p:txBody>
+        </p:sp>
+        <p:sp>
+          <p:nvSpPr>
+            <p:cNvPr id="45" name="TextBox 44">
+              <a:extLst>
+                <a:ext uri="{FF2B5EF4-FFF2-40B4-BE49-F238E27FC236}">
+                  <a16:creationId xmlns:a16="http://schemas.microsoft.com/office/drawing/2014/main" id="{A57C5482-BC61-A748-9472-3BBB1C175F05}"/>
+                </a:ext>
+              </a:extLst>
+            </p:cNvPr>
+            <p:cNvSpPr txBox="1"/>
+            <p:nvPr/>
+          </p:nvSpPr>
+          <p:spPr>
+            <a:xfrm>
+              <a:off x="1679013" y="4443230"/>
+              <a:ext cx="1461599" cy="830997"/>
+            </a:xfrm>
+            <a:prstGeom prst="rect">
+              <a:avLst/>
+            </a:prstGeom>
+            <a:noFill/>
+          </p:spPr>
+          <p:txBody>
+            <a:bodyPr wrap="square" rtlCol="0">
+              <a:spAutoFit/>
+            </a:bodyPr>
+            <a:lstStyle/>
+            <a:p>
+              <a:pPr algn="ctr"/>
+              <a:r>
+                <a:rPr lang="en-US" sz="1200">
+                  <a:latin typeface="+mj-lt"/>
+                </a:rPr>
+                <a:t>Kafka Connect Java / Kotlin </a:t>
+              </a:r>
+            </a:p>
+            <a:p>
+              <a:pPr algn="ctr"/>
+              <a:r>
+                <a:rPr lang="en-US" sz="1200">
+                  <a:latin typeface="+mj-lt"/>
+                </a:rPr>
+                <a:t>Spring Boot with</a:t>
+              </a:r>
+            </a:p>
+            <a:p>
+              <a:pPr algn="ctr"/>
+              <a:r>
+                <a:rPr lang="en-US" sz="1200">
+                  <a:latin typeface="+mj-lt"/>
+                </a:rPr>
+                <a:t>Spring Kafka</a:t>
+              </a:r>
+            </a:p>
+          </p:txBody>
+        </p:sp>
+      </p:grpSp>
+      <p:grpSp>
+        <p:nvGrpSpPr>
+          <p:cNvPr id="56" name="Group 55">
+            <a:extLst>
+              <a:ext uri="{FF2B5EF4-FFF2-40B4-BE49-F238E27FC236}">
+                <a16:creationId xmlns:a16="http://schemas.microsoft.com/office/drawing/2014/main" id="{DCCF2585-E290-5A42-B9E5-849DA19169A5}"/>
+              </a:ext>
+            </a:extLst>
+          </p:cNvPr>
+          <p:cNvGrpSpPr/>
+          <p:nvPr/>
+        </p:nvGrpSpPr>
+        <p:grpSpPr>
+          <a:xfrm>
+            <a:off x="3538235" y="1760940"/>
+            <a:ext cx="1716037" cy="2127783"/>
+            <a:chOff x="3434373" y="2961778"/>
+            <a:chExt cx="1716037" cy="2127783"/>
+          </a:xfrm>
+        </p:grpSpPr>
+        <p:pic>
+          <p:nvPicPr>
+            <p:cNvPr id="35" name="Picture 34">
+              <a:extLst>
+                <a:ext uri="{FF2B5EF4-FFF2-40B4-BE49-F238E27FC236}">
+                  <a16:creationId xmlns:a16="http://schemas.microsoft.com/office/drawing/2014/main" id="{3F1562DA-EC64-B846-808C-B8A90A2318C0}"/>
+                </a:ext>
+              </a:extLst>
+            </p:cNvPr>
+            <p:cNvPicPr>
+              <a:picLocks noChangeAspect="1"/>
+            </p:cNvPicPr>
+            <p:nvPr/>
+          </p:nvPicPr>
+          <p:blipFill>
+            <a:blip r:embed="rId4">
+              <a:extLst>
+                <a:ext uri="{28A0092B-C50C-407E-A947-70E740481C1C}">
+                  <a14:useLocalDpi xmlns:a14="http://schemas.microsoft.com/office/drawing/2010/main" val="0"/>
+                </a:ext>
+              </a:extLst>
+            </a:blip>
+            <a:stretch>
+              <a:fillRect/>
+            </a:stretch>
+          </p:blipFill>
+          <p:spPr>
+            <a:xfrm>
+              <a:off x="4089191" y="2961778"/>
+              <a:ext cx="406400" cy="406400"/>
+            </a:xfrm>
+            <a:prstGeom prst="rect">
+              <a:avLst/>
+            </a:prstGeom>
+          </p:spPr>
+        </p:pic>
+        <p:sp>
+          <p:nvSpPr>
+            <p:cNvPr id="46" name="Rectangle 45">
+              <a:extLst>
+                <a:ext uri="{FF2B5EF4-FFF2-40B4-BE49-F238E27FC236}">
+                  <a16:creationId xmlns:a16="http://schemas.microsoft.com/office/drawing/2014/main" id="{ED5119EA-743A-AF44-811A-D128F5EDFED2}"/>
+                </a:ext>
+              </a:extLst>
+            </p:cNvPr>
+            <p:cNvSpPr/>
+            <p:nvPr/>
+          </p:nvSpPr>
+          <p:spPr>
+            <a:xfrm>
+              <a:off x="3434373" y="3548327"/>
+              <a:ext cx="1716037" cy="830997"/>
+            </a:xfrm>
+            <a:prstGeom prst="rect">
+              <a:avLst/>
+            </a:prstGeom>
+          </p:spPr>
+          <p:txBody>
+            <a:bodyPr wrap="square">
+              <a:spAutoFit/>
+            </a:bodyPr>
+            <a:lstStyle/>
+            <a:p>
+              <a:pPr algn="ctr"/>
+              <a:r>
+                <a:rPr lang="en-US" sz="1200">
+                  <a:solidFill>
+                    <a:schemeClr val="accent1"/>
+                  </a:solidFill>
+                </a:rPr>
+                <a:t>Transformation, Validation, Rollup, Joining, Enrichment</a:t>
+              </a:r>
+            </a:p>
+            <a:p>
+              <a:pPr algn="ctr"/>
+              <a:r>
+                <a:rPr lang="en-US" sz="1200">
+                  <a:solidFill>
+                    <a:schemeClr val="accent1"/>
+                  </a:solidFill>
+                </a:rPr>
+                <a:t>Services</a:t>
+              </a:r>
+            </a:p>
+          </p:txBody>
+        </p:sp>
+        <p:sp>
+          <p:nvSpPr>
+            <p:cNvPr id="47" name="TextBox 46">
+              <a:extLst>
+                <a:ext uri="{FF2B5EF4-FFF2-40B4-BE49-F238E27FC236}">
+                  <a16:creationId xmlns:a16="http://schemas.microsoft.com/office/drawing/2014/main" id="{6C409BD2-1BE5-134F-8CA5-6C2AB446BCBE}"/>
+                </a:ext>
+              </a:extLst>
+            </p:cNvPr>
+            <p:cNvSpPr txBox="1"/>
+            <p:nvPr/>
+          </p:nvSpPr>
+          <p:spPr>
+            <a:xfrm>
+              <a:off x="3647905" y="4443230"/>
+              <a:ext cx="1288972" cy="646331"/>
+            </a:xfrm>
+            <a:prstGeom prst="rect">
+              <a:avLst/>
+            </a:prstGeom>
+            <a:noFill/>
+          </p:spPr>
+          <p:txBody>
+            <a:bodyPr wrap="square" rtlCol="0">
+              <a:spAutoFit/>
+            </a:bodyPr>
+            <a:lstStyle>
+              <a:defPPr>
+                <a:defRPr lang="en-US"/>
+              </a:defPPr>
+              <a:lvl1pPr algn="ctr">
+                <a:defRPr sz="1200">
+                  <a:latin typeface="+mj-lt"/>
+                </a:defRPr>
+              </a:lvl1pPr>
+            </a:lstStyle>
+            <a:p>
+              <a:r>
+                <a:rPr lang="en-US"/>
+                <a:t>Spring Boot with Kafka Streams</a:t>
+              </a:r>
+            </a:p>
+          </p:txBody>
+        </p:sp>
+      </p:grpSp>
+      <p:grpSp>
+        <p:nvGrpSpPr>
+          <p:cNvPr id="58" name="Group 57">
+            <a:extLst>
+              <a:ext uri="{FF2B5EF4-FFF2-40B4-BE49-F238E27FC236}">
+                <a16:creationId xmlns:a16="http://schemas.microsoft.com/office/drawing/2014/main" id="{E5911819-46FA-3749-BA7E-94944A69A65E}"/>
+              </a:ext>
+            </a:extLst>
+          </p:cNvPr>
+          <p:cNvGrpSpPr/>
+          <p:nvPr/>
+        </p:nvGrpSpPr>
+        <p:grpSpPr>
+          <a:xfrm>
+            <a:off x="5497657" y="1760940"/>
+            <a:ext cx="1461599" cy="2127783"/>
+            <a:chOff x="5022504" y="2961778"/>
+            <a:chExt cx="1461599" cy="2127783"/>
+          </a:xfrm>
+        </p:grpSpPr>
+        <p:pic>
+          <p:nvPicPr>
+            <p:cNvPr id="36" name="Picture 35">
+              <a:extLst>
+                <a:ext uri="{FF2B5EF4-FFF2-40B4-BE49-F238E27FC236}">
+                  <a16:creationId xmlns:a16="http://schemas.microsoft.com/office/drawing/2014/main" id="{CA74132B-2BC3-6E41-B10C-81CCC16731BE}"/>
+                </a:ext>
+              </a:extLst>
+            </p:cNvPr>
+            <p:cNvPicPr>
+              <a:picLocks noChangeAspect="1"/>
+            </p:cNvPicPr>
+            <p:nvPr/>
+          </p:nvPicPr>
+          <p:blipFill>
+            <a:blip r:embed="rId4">
+              <a:extLst>
+                <a:ext uri="{28A0092B-C50C-407E-A947-70E740481C1C}">
+                  <a14:useLocalDpi xmlns:a14="http://schemas.microsoft.com/office/drawing/2010/main" val="0"/>
+                </a:ext>
+              </a:extLst>
+            </a:blip>
+            <a:stretch>
+              <a:fillRect/>
+            </a:stretch>
+          </p:blipFill>
+          <p:spPr>
+            <a:xfrm>
+              <a:off x="5550103" y="2961778"/>
+              <a:ext cx="406400" cy="406400"/>
+            </a:xfrm>
+            <a:prstGeom prst="rect">
+              <a:avLst/>
+            </a:prstGeom>
+          </p:spPr>
+        </p:pic>
+        <p:sp>
+          <p:nvSpPr>
+            <p:cNvPr id="48" name="Rectangle 47">
+              <a:extLst>
+                <a:ext uri="{FF2B5EF4-FFF2-40B4-BE49-F238E27FC236}">
+                  <a16:creationId xmlns:a16="http://schemas.microsoft.com/office/drawing/2014/main" id="{878AE550-464D-874D-864D-942824D51C57}"/>
+                </a:ext>
+              </a:extLst>
+            </p:cNvPr>
+            <p:cNvSpPr/>
+            <p:nvPr/>
+          </p:nvSpPr>
+          <p:spPr>
+            <a:xfrm>
+              <a:off x="5198162" y="3548327"/>
+              <a:ext cx="1110282" cy="646331"/>
+            </a:xfrm>
+            <a:prstGeom prst="rect">
+              <a:avLst/>
+            </a:prstGeom>
+          </p:spPr>
+          <p:txBody>
+            <a:bodyPr wrap="square">
+              <a:spAutoFit/>
+            </a:bodyPr>
+            <a:lstStyle/>
+            <a:p>
+              <a:pPr algn="ctr"/>
+              <a:r>
+                <a:rPr lang="en-US" sz="1200">
+                  <a:solidFill>
+                    <a:schemeClr val="accent1"/>
+                  </a:solidFill>
+                </a:rPr>
+                <a:t>Metrics Aggregation</a:t>
+              </a:r>
+            </a:p>
+            <a:p>
+              <a:pPr algn="ctr"/>
+              <a:r>
+                <a:rPr lang="en-US" sz="1200">
+                  <a:solidFill>
+                    <a:schemeClr val="accent1"/>
+                  </a:solidFill>
+                </a:rPr>
+                <a:t>Services</a:t>
+              </a:r>
+            </a:p>
+          </p:txBody>
+        </p:sp>
+        <p:sp>
+          <p:nvSpPr>
+            <p:cNvPr id="49" name="TextBox 48">
+              <a:extLst>
+                <a:ext uri="{FF2B5EF4-FFF2-40B4-BE49-F238E27FC236}">
+                  <a16:creationId xmlns:a16="http://schemas.microsoft.com/office/drawing/2014/main" id="{986D2CC7-5687-2D4F-9946-B79D5170465D}"/>
+                </a:ext>
+              </a:extLst>
+            </p:cNvPr>
+            <p:cNvSpPr txBox="1"/>
+            <p:nvPr/>
+          </p:nvSpPr>
+          <p:spPr>
+            <a:xfrm>
+              <a:off x="5022504" y="4443230"/>
+              <a:ext cx="1461599" cy="646331"/>
+            </a:xfrm>
+            <a:prstGeom prst="rect">
+              <a:avLst/>
+            </a:prstGeom>
+            <a:noFill/>
+          </p:spPr>
+          <p:txBody>
+            <a:bodyPr wrap="square" rtlCol="0">
+              <a:spAutoFit/>
+            </a:bodyPr>
+            <a:lstStyle>
+              <a:defPPr>
+                <a:defRPr lang="en-US"/>
+              </a:defPPr>
+              <a:lvl1pPr algn="ctr">
+                <a:defRPr sz="1200">
+                  <a:latin typeface="+mj-lt"/>
+                </a:defRPr>
+              </a:lvl1pPr>
+            </a:lstStyle>
+            <a:p>
+              <a:r>
+                <a:rPr lang="en-US"/>
+                <a:t>Spring Boot with Kafka Streams on </a:t>
+              </a:r>
+              <a:r>
+                <a:rPr lang="en-US" err="1"/>
+                <a:t>RocksDB</a:t>
+              </a:r>
+              <a:endParaRPr lang="en-US"/>
+            </a:p>
+          </p:txBody>
+        </p:sp>
+      </p:grpSp>
+      <p:grpSp>
+        <p:nvGrpSpPr>
+          <p:cNvPr id="59" name="Group 58">
+            <a:extLst>
+              <a:ext uri="{FF2B5EF4-FFF2-40B4-BE49-F238E27FC236}">
+                <a16:creationId xmlns:a16="http://schemas.microsoft.com/office/drawing/2014/main" id="{A4159BF7-CFEE-634F-9F4E-8EC275839048}"/>
+              </a:ext>
+            </a:extLst>
+          </p:cNvPr>
+          <p:cNvGrpSpPr/>
+          <p:nvPr/>
+        </p:nvGrpSpPr>
+        <p:grpSpPr>
+          <a:xfrm>
+            <a:off x="7202641" y="1760940"/>
+            <a:ext cx="1290476" cy="2497115"/>
+            <a:chOff x="6589176" y="2961778"/>
+            <a:chExt cx="1290476" cy="2497115"/>
+          </a:xfrm>
+        </p:grpSpPr>
+        <p:pic>
+          <p:nvPicPr>
+            <p:cNvPr id="37" name="Picture 36">
+              <a:extLst>
+                <a:ext uri="{FF2B5EF4-FFF2-40B4-BE49-F238E27FC236}">
+                  <a16:creationId xmlns:a16="http://schemas.microsoft.com/office/drawing/2014/main" id="{D2A80B77-ADBD-8A49-852A-19B47F42F486}"/>
+                </a:ext>
+              </a:extLst>
+            </p:cNvPr>
+            <p:cNvPicPr>
+              <a:picLocks noChangeAspect="1"/>
+            </p:cNvPicPr>
+            <p:nvPr/>
+          </p:nvPicPr>
+          <p:blipFill>
+            <a:blip r:embed="rId4">
+              <a:extLst>
+                <a:ext uri="{28A0092B-C50C-407E-A947-70E740481C1C}">
+                  <a14:useLocalDpi xmlns:a14="http://schemas.microsoft.com/office/drawing/2010/main" val="0"/>
+                </a:ext>
+              </a:extLst>
+            </a:blip>
+            <a:stretch>
+              <a:fillRect/>
+            </a:stretch>
+          </p:blipFill>
+          <p:spPr>
+            <a:xfrm>
+              <a:off x="7031214" y="2961778"/>
+              <a:ext cx="406400" cy="406400"/>
+            </a:xfrm>
+            <a:prstGeom prst="rect">
+              <a:avLst/>
+            </a:prstGeom>
+          </p:spPr>
+        </p:pic>
+        <p:sp>
+          <p:nvSpPr>
+            <p:cNvPr id="50" name="Rectangle 49">
+              <a:extLst>
+                <a:ext uri="{FF2B5EF4-FFF2-40B4-BE49-F238E27FC236}">
+                  <a16:creationId xmlns:a16="http://schemas.microsoft.com/office/drawing/2014/main" id="{6BEC5015-3A6C-4E49-8B8E-B13895B22CB7}"/>
+                </a:ext>
+              </a:extLst>
+            </p:cNvPr>
+            <p:cNvSpPr/>
+            <p:nvPr/>
+          </p:nvSpPr>
+          <p:spPr>
+            <a:xfrm>
+              <a:off x="6679273" y="3548327"/>
+              <a:ext cx="1110282" cy="461665"/>
+            </a:xfrm>
+            <a:prstGeom prst="rect">
+              <a:avLst/>
+            </a:prstGeom>
+          </p:spPr>
+          <p:txBody>
+            <a:bodyPr wrap="square">
+              <a:spAutoFit/>
+            </a:bodyPr>
+            <a:lstStyle/>
+            <a:p>
+              <a:pPr algn="ctr"/>
+              <a:r>
+                <a:rPr lang="en-US" sz="1200">
+                  <a:solidFill>
+                    <a:schemeClr val="accent1"/>
+                  </a:solidFill>
+                </a:rPr>
+                <a:t>Data  Sink Services</a:t>
+              </a:r>
+            </a:p>
+          </p:txBody>
+        </p:sp>
+        <p:sp>
+          <p:nvSpPr>
+            <p:cNvPr id="51" name="TextBox 50">
+              <a:extLst>
+                <a:ext uri="{FF2B5EF4-FFF2-40B4-BE49-F238E27FC236}">
+                  <a16:creationId xmlns:a16="http://schemas.microsoft.com/office/drawing/2014/main" id="{15CAF636-C4A9-C143-97DE-F8EC385B0257}"/>
+                </a:ext>
+              </a:extLst>
+            </p:cNvPr>
+            <p:cNvSpPr txBox="1"/>
+            <p:nvPr/>
+          </p:nvSpPr>
+          <p:spPr>
+            <a:xfrm>
+              <a:off x="6589176" y="4443230"/>
+              <a:ext cx="1290476" cy="1015663"/>
+            </a:xfrm>
+            <a:prstGeom prst="rect">
+              <a:avLst/>
+            </a:prstGeom>
+            <a:noFill/>
+          </p:spPr>
+          <p:txBody>
+            <a:bodyPr wrap="square" rtlCol="0">
+              <a:spAutoFit/>
+            </a:bodyPr>
+            <a:lstStyle>
+              <a:defPPr>
+                <a:defRPr lang="en-US"/>
+              </a:defPPr>
+              <a:lvl1pPr algn="ctr">
+                <a:defRPr sz="1200">
+                  <a:latin typeface="+mj-lt"/>
+                </a:defRPr>
+              </a:lvl1pPr>
+            </a:lstStyle>
+            <a:p>
+              <a:r>
+                <a:rPr lang="en-US"/>
+                <a:t>Kafka Connect Java / Kotlin </a:t>
+              </a:r>
+              <a:r>
+                <a:rPr lang="en-US" err="1"/>
+                <a:t>SpringBoot</a:t>
+              </a:r>
+              <a:endParaRPr lang="en-US"/>
+            </a:p>
+            <a:p>
+              <a:r>
+                <a:rPr lang="en-US"/>
+                <a:t>Spring Kafka and Spring Data</a:t>
+              </a:r>
+            </a:p>
+          </p:txBody>
+        </p:sp>
+      </p:grpSp>
+      <p:grpSp>
+        <p:nvGrpSpPr>
+          <p:cNvPr id="60" name="Group 59">
+            <a:extLst>
+              <a:ext uri="{FF2B5EF4-FFF2-40B4-BE49-F238E27FC236}">
+                <a16:creationId xmlns:a16="http://schemas.microsoft.com/office/drawing/2014/main" id="{F4239B44-DA6B-7C4D-8DF5-6E6E36482F9E}"/>
+              </a:ext>
+            </a:extLst>
+          </p:cNvPr>
+          <p:cNvGrpSpPr/>
+          <p:nvPr/>
+        </p:nvGrpSpPr>
+        <p:grpSpPr>
+          <a:xfrm>
+            <a:off x="8736502" y="1720392"/>
+            <a:ext cx="1110282" cy="1983665"/>
+            <a:chOff x="8278000" y="2921230"/>
+            <a:chExt cx="1110282" cy="1983665"/>
+          </a:xfrm>
+        </p:grpSpPr>
+        <p:sp>
+          <p:nvSpPr>
+            <p:cNvPr id="38" name="Can 37">
+              <a:extLst>
+                <a:ext uri="{FF2B5EF4-FFF2-40B4-BE49-F238E27FC236}">
+                  <a16:creationId xmlns:a16="http://schemas.microsoft.com/office/drawing/2014/main" id="{E9969A13-3B31-D143-B8B2-E62EBD348A35}"/>
+                </a:ext>
+              </a:extLst>
+            </p:cNvPr>
+            <p:cNvSpPr/>
+            <p:nvPr/>
+          </p:nvSpPr>
+          <p:spPr>
+            <a:xfrm>
+              <a:off x="8502635" y="2921230"/>
+              <a:ext cx="661012" cy="487496"/>
+            </a:xfrm>
+            <a:prstGeom prst="can">
+              <a:avLst/>
+            </a:prstGeom>
+            <a:solidFill>
+              <a:schemeClr val="bg1"/>
+            </a:solidFill>
+            <a:ln>
+              <a:solidFill>
+                <a:schemeClr val="accent1"/>
+              </a:solidFill>
+            </a:ln>
+          </p:spPr>
+          <p:style>
+            <a:lnRef idx="2">
+              <a:schemeClr val="accent1">
+                <a:shade val="50000"/>
+              </a:schemeClr>
+            </a:lnRef>
+            <a:fillRef idx="1">
+              <a:schemeClr val="accent1"/>
+            </a:fillRef>
+            <a:effectRef idx="0">
+              <a:schemeClr val="accent1"/>
+            </a:effectRef>
+            <a:fontRef idx="minor">
+              <a:schemeClr val="lt1"/>
+            </a:fontRef>
+          </p:style>
+          <p:txBody>
+            <a:bodyPr rot="0" spcFirstLastPara="0" vertOverflow="overflow" horzOverflow="overflow" vert="horz" wrap="square" lIns="91440" tIns="45720" rIns="91440" bIns="45720" numCol="1" spcCol="0" rtlCol="0" fromWordArt="0" anchor="ctr" anchorCtr="0" forceAA="0" compatLnSpc="1">
+              <a:prstTxWarp prst="textNoShape">
+                <a:avLst/>
+              </a:prstTxWarp>
+              <a:noAutofit/>
+            </a:bodyPr>
+            <a:lstStyle/>
+            <a:p>
+              <a:pPr algn="ctr" rtl="0" eaLnBrk="1" fontAlgn="auto" hangingPunct="1">
+                <a:lnSpc>
+                  <a:spcPct val="100000"/>
+                </a:lnSpc>
+                <a:spcBef>
+                  <a:spcPts val="0"/>
+                </a:spcBef>
+                <a:spcAft>
+                  <a:spcPts val="0"/>
+                </a:spcAft>
+              </a:pPr>
+              <a:endParaRPr lang="en-US" sz="1800" b="0" i="0" u="none" baseline="0">
+                <a:solidFill>
+                  <a:srgbClr val="FFFFFF"/>
+                </a:solidFill>
+                <a:latin typeface="Arial"/>
+              </a:endParaRPr>
+            </a:p>
+          </p:txBody>
+        </p:sp>
+        <p:sp>
+          <p:nvSpPr>
+            <p:cNvPr id="52" name="Rectangle 51">
+              <a:extLst>
+                <a:ext uri="{FF2B5EF4-FFF2-40B4-BE49-F238E27FC236}">
+                  <a16:creationId xmlns:a16="http://schemas.microsoft.com/office/drawing/2014/main" id="{868B475D-2C0E-CE45-90C4-990164DCAEB2}"/>
+                </a:ext>
+              </a:extLst>
+            </p:cNvPr>
+            <p:cNvSpPr/>
+            <p:nvPr/>
+          </p:nvSpPr>
+          <p:spPr>
+            <a:xfrm>
+              <a:off x="8278000" y="3548327"/>
+              <a:ext cx="1110282" cy="276999"/>
+            </a:xfrm>
+            <a:prstGeom prst="rect">
+              <a:avLst/>
+            </a:prstGeom>
+          </p:spPr>
+          <p:txBody>
+            <a:bodyPr wrap="square">
+              <a:spAutoFit/>
+            </a:bodyPr>
+            <a:lstStyle/>
+            <a:p>
+              <a:pPr algn="ctr"/>
+              <a:r>
+                <a:rPr lang="en-US" sz="1200">
+                  <a:solidFill>
+                    <a:schemeClr val="accent1"/>
+                  </a:solidFill>
+                </a:rPr>
+                <a:t>Data Store</a:t>
+              </a:r>
+            </a:p>
+          </p:txBody>
+        </p:sp>
+        <p:sp>
+          <p:nvSpPr>
+            <p:cNvPr id="53" name="TextBox 52">
+              <a:extLst>
+                <a:ext uri="{FF2B5EF4-FFF2-40B4-BE49-F238E27FC236}">
+                  <a16:creationId xmlns:a16="http://schemas.microsoft.com/office/drawing/2014/main" id="{85D78D1F-8ACC-4D49-9F84-FACA64ADE52C}"/>
+                </a:ext>
+              </a:extLst>
+            </p:cNvPr>
+            <p:cNvSpPr txBox="1"/>
+            <p:nvPr/>
+          </p:nvSpPr>
+          <p:spPr>
+            <a:xfrm>
+              <a:off x="8278000" y="4443230"/>
+              <a:ext cx="1110282" cy="461665"/>
+            </a:xfrm>
+            <a:prstGeom prst="rect">
+              <a:avLst/>
+            </a:prstGeom>
+            <a:noFill/>
+          </p:spPr>
+          <p:txBody>
+            <a:bodyPr wrap="square" rtlCol="0">
+              <a:spAutoFit/>
+            </a:bodyPr>
+            <a:lstStyle>
+              <a:defPPr>
+                <a:defRPr lang="en-US"/>
+              </a:defPPr>
+              <a:lvl1pPr algn="ctr">
+                <a:defRPr sz="1200">
+                  <a:latin typeface="+mj-lt"/>
+                </a:defRPr>
+              </a:lvl1pPr>
+            </a:lstStyle>
+            <a:p>
+              <a:r>
+                <a:rPr lang="en-US"/>
+                <a:t>Cassandra</a:t>
+              </a:r>
+            </a:p>
+            <a:p>
+              <a:r>
+                <a:rPr lang="en-US"/>
+                <a:t>Elasticsearch</a:t>
+              </a:r>
+            </a:p>
+          </p:txBody>
+        </p:sp>
+      </p:grpSp>
+      <p:grpSp>
+        <p:nvGrpSpPr>
+          <p:cNvPr id="61" name="Group 60">
+            <a:extLst>
+              <a:ext uri="{FF2B5EF4-FFF2-40B4-BE49-F238E27FC236}">
+                <a16:creationId xmlns:a16="http://schemas.microsoft.com/office/drawing/2014/main" id="{1537A68F-0A21-AA4D-957A-673EBF15DE06}"/>
+              </a:ext>
+            </a:extLst>
+          </p:cNvPr>
+          <p:cNvGrpSpPr/>
+          <p:nvPr/>
+        </p:nvGrpSpPr>
+        <p:grpSpPr>
+          <a:xfrm>
+            <a:off x="10090170" y="1760940"/>
+            <a:ext cx="1290476" cy="2127783"/>
+            <a:chOff x="9935932" y="2961778"/>
+            <a:chExt cx="1290476" cy="2127783"/>
+          </a:xfrm>
+        </p:grpSpPr>
+        <p:pic>
+          <p:nvPicPr>
+            <p:cNvPr id="39" name="Picture 38">
+              <a:extLst>
+                <a:ext uri="{FF2B5EF4-FFF2-40B4-BE49-F238E27FC236}">
+                  <a16:creationId xmlns:a16="http://schemas.microsoft.com/office/drawing/2014/main" id="{72E1FCCF-6C96-314B-B63C-64A260AB577F}"/>
+                </a:ext>
+              </a:extLst>
+            </p:cNvPr>
+            <p:cNvPicPr>
+              <a:picLocks noChangeAspect="1"/>
+            </p:cNvPicPr>
+            <p:nvPr/>
+          </p:nvPicPr>
+          <p:blipFill>
+            <a:blip r:embed="rId4">
+              <a:extLst>
+                <a:ext uri="{28A0092B-C50C-407E-A947-70E740481C1C}">
+                  <a14:useLocalDpi xmlns:a14="http://schemas.microsoft.com/office/drawing/2010/main" val="0"/>
+                </a:ext>
+              </a:extLst>
+            </a:blip>
+            <a:stretch>
+              <a:fillRect/>
+            </a:stretch>
+          </p:blipFill>
+          <p:spPr>
+            <a:xfrm>
+              <a:off x="10377970" y="2961778"/>
+              <a:ext cx="406400" cy="406400"/>
+            </a:xfrm>
+            <a:prstGeom prst="rect">
+              <a:avLst/>
+            </a:prstGeom>
+          </p:spPr>
+        </p:pic>
+        <p:sp>
+          <p:nvSpPr>
+            <p:cNvPr id="54" name="TextBox 53">
+              <a:extLst>
+                <a:ext uri="{FF2B5EF4-FFF2-40B4-BE49-F238E27FC236}">
+                  <a16:creationId xmlns:a16="http://schemas.microsoft.com/office/drawing/2014/main" id="{444F3F6E-666F-2B46-8314-FCA81D1EF7D8}"/>
+                </a:ext>
+              </a:extLst>
+            </p:cNvPr>
+            <p:cNvSpPr txBox="1"/>
+            <p:nvPr/>
+          </p:nvSpPr>
+          <p:spPr>
+            <a:xfrm>
+              <a:off x="9935932" y="4443230"/>
+              <a:ext cx="1290476" cy="646331"/>
+            </a:xfrm>
+            <a:prstGeom prst="rect">
+              <a:avLst/>
+            </a:prstGeom>
+            <a:noFill/>
+          </p:spPr>
+          <p:txBody>
+            <a:bodyPr wrap="square" rtlCol="0">
+              <a:spAutoFit/>
+            </a:bodyPr>
+            <a:lstStyle>
+              <a:defPPr>
+                <a:defRPr lang="en-US"/>
+              </a:defPPr>
+              <a:lvl1pPr algn="ctr">
+                <a:defRPr sz="1200">
+                  <a:latin typeface="+mj-lt"/>
+                </a:defRPr>
+              </a:lvl1pPr>
+            </a:lstStyle>
+            <a:p>
+              <a:r>
+                <a:rPr lang="en-US"/>
+                <a:t>Spring Boot </a:t>
+              </a:r>
+            </a:p>
+            <a:p>
+              <a:r>
+                <a:rPr lang="en-US"/>
+                <a:t>Java / Kotlin</a:t>
+              </a:r>
+            </a:p>
+            <a:p>
+              <a:r>
+                <a:rPr lang="en-US"/>
+                <a:t>Spring Web flux</a:t>
+              </a:r>
+            </a:p>
+          </p:txBody>
+        </p:sp>
+        <p:sp>
+          <p:nvSpPr>
+            <p:cNvPr id="55" name="Rectangle 54">
+              <a:extLst>
+                <a:ext uri="{FF2B5EF4-FFF2-40B4-BE49-F238E27FC236}">
+                  <a16:creationId xmlns:a16="http://schemas.microsoft.com/office/drawing/2014/main" id="{027B1920-2FB3-C64B-A8D4-280CE4EFAC4B}"/>
+                </a:ext>
+              </a:extLst>
+            </p:cNvPr>
+            <p:cNvSpPr/>
+            <p:nvPr/>
+          </p:nvSpPr>
+          <p:spPr>
+            <a:xfrm>
+              <a:off x="10026029" y="3548327"/>
+              <a:ext cx="1110282" cy="276999"/>
+            </a:xfrm>
+            <a:prstGeom prst="rect">
+              <a:avLst/>
+            </a:prstGeom>
+          </p:spPr>
+          <p:txBody>
+            <a:bodyPr wrap="square">
+              <a:spAutoFit/>
+            </a:bodyPr>
+            <a:lstStyle/>
+            <a:p>
+              <a:pPr algn="ctr"/>
+              <a:r>
+                <a:rPr lang="en-US" sz="1200">
+                  <a:solidFill>
+                    <a:schemeClr val="accent1"/>
+                  </a:solidFill>
+                </a:rPr>
+                <a:t>API</a:t>
+              </a:r>
+            </a:p>
+          </p:txBody>
+        </p:sp>
+      </p:grpSp>
+      <p:sp>
+        <p:nvSpPr>
+          <p:cNvPr id="62" name="Right Arrow 61">
+            <a:extLst>
+              <a:ext uri="{FF2B5EF4-FFF2-40B4-BE49-F238E27FC236}">
+                <a16:creationId xmlns:a16="http://schemas.microsoft.com/office/drawing/2014/main" id="{0505E6FB-DEE9-9D42-B244-4F5C8A4B4F87}"/>
+              </a:ext>
+            </a:extLst>
+          </p:cNvPr>
+          <p:cNvSpPr/>
+          <p:nvPr/>
+        </p:nvSpPr>
+        <p:spPr>
+          <a:xfrm>
+            <a:off x="914402" y="4585303"/>
+            <a:ext cx="10376147" cy="105990"/>
+          </a:xfrm>
+          <a:prstGeom prst="rightArrow">
+            <a:avLst/>
+          </a:prstGeom>
+          <a:solidFill>
+            <a:schemeClr val="accent4"/>
+          </a:solidFill>
+          <a:ln>
+            <a:solidFill>
+              <a:schemeClr val="accent4"/>
+            </a:solidFill>
+          </a:ln>
+        </p:spPr>
+        <p:style>
+          <a:lnRef idx="2">
+            <a:schemeClr val="accent1">
+              <a:shade val="50000"/>
+            </a:schemeClr>
+          </a:lnRef>
+          <a:fillRef idx="1">
+            <a:schemeClr val="accent1"/>
+          </a:fillRef>
+          <a:effectRef idx="0">
+            <a:schemeClr val="accent1"/>
+          </a:effectRef>
+          <a:fontRef idx="minor">
+            <a:schemeClr val="lt1"/>
+          </a:fontRef>
+        </p:style>
+        <p:txBody>
+          <a:bodyPr rot="0" spcFirstLastPara="0" vertOverflow="overflow" horzOverflow="overflow" vert="horz" wrap="square" lIns="91440" tIns="45720" rIns="91440" bIns="45720" numCol="1" spcCol="0" rtlCol="0" fromWordArt="0" anchor="ctr" anchorCtr="0" forceAA="0" compatLnSpc="1">
+            <a:prstTxWarp prst="textNoShape">
+              <a:avLst/>
+            </a:prstTxWarp>
+            <a:noAutofit/>
+          </a:bodyPr>
+          <a:lstStyle/>
+          <a:p>
+            <a:pPr algn="ctr" rtl="0" eaLnBrk="1" fontAlgn="auto" hangingPunct="1">
+              <a:lnSpc>
+                <a:spcPct val="100000"/>
+              </a:lnSpc>
+              <a:spcBef>
+                <a:spcPts val="0"/>
+              </a:spcBef>
+              <a:spcAft>
+                <a:spcPts val="0"/>
+              </a:spcAft>
+            </a:pPr>
+            <a:endParaRPr lang="en-US" sz="1800" b="0" i="0" u="none" baseline="0">
+              <a:solidFill>
+                <a:srgbClr val="FFFFFF"/>
+              </a:solidFill>
+              <a:latin typeface="Arial"/>
+            </a:endParaRPr>
+          </a:p>
+        </p:txBody>
+      </p:sp>
+      <p:sp>
+        <p:nvSpPr>
+          <p:cNvPr id="63" name="TextBox 62">
+            <a:extLst>
+              <a:ext uri="{FF2B5EF4-FFF2-40B4-BE49-F238E27FC236}">
+                <a16:creationId xmlns:a16="http://schemas.microsoft.com/office/drawing/2014/main" id="{35D7D3B1-575B-554E-9ABB-1306597BFE46}"/>
+              </a:ext>
+            </a:extLst>
+          </p:cNvPr>
+          <p:cNvSpPr txBox="1"/>
+          <p:nvPr/>
+        </p:nvSpPr>
+        <p:spPr>
+          <a:xfrm>
+            <a:off x="9846784" y="4691293"/>
+            <a:ext cx="1447832" cy="286232"/>
+          </a:xfrm>
+          <a:prstGeom prst="rect">
+            <a:avLst/>
+          </a:prstGeom>
+          <a:noFill/>
+        </p:spPr>
+        <p:txBody>
+          <a:bodyPr vert="horz" wrap="none" rtlCol="0">
+            <a:spAutoFit/>
+          </a:bodyPr>
+          <a:lstStyle/>
+          <a:p>
+            <a:pPr algn="l" rtl="0" eaLnBrk="1" fontAlgn="auto" hangingPunct="1">
+              <a:lnSpc>
+                <a:spcPct val="90000"/>
+              </a:lnSpc>
+              <a:spcBef>
+                <a:spcPts val="0"/>
+              </a:spcBef>
+              <a:spcAft>
+                <a:spcPts val="400"/>
+              </a:spcAft>
+            </a:pPr>
+            <a:r>
+              <a:rPr lang="en-US" sz="1400" b="0" i="0" u="none" baseline="0">
+                <a:solidFill>
+                  <a:srgbClr val="55565A"/>
+                </a:solidFill>
+                <a:latin typeface="Arial"/>
+              </a:rPr>
+              <a:t>Data Movement</a:t>
+            </a:r>
+          </a:p>
+        </p:txBody>
+      </p:sp>
+      <p:sp>
+        <p:nvSpPr>
+          <p:cNvPr id="65" name="TextBox 64">
+            <a:extLst>
+              <a:ext uri="{FF2B5EF4-FFF2-40B4-BE49-F238E27FC236}">
+                <a16:creationId xmlns:a16="http://schemas.microsoft.com/office/drawing/2014/main" id="{A6991A99-D399-2C4F-8A26-70C91282F640}"/>
+              </a:ext>
+            </a:extLst>
+          </p:cNvPr>
+          <p:cNvSpPr txBox="1"/>
+          <p:nvPr/>
+        </p:nvSpPr>
+        <p:spPr>
+          <a:xfrm>
+            <a:off x="914402" y="4932733"/>
+            <a:ext cx="7050328" cy="1267014"/>
+          </a:xfrm>
+          <a:prstGeom prst="rect">
+            <a:avLst/>
+          </a:prstGeom>
+          <a:noFill/>
+        </p:spPr>
+        <p:txBody>
+          <a:bodyPr vert="horz" wrap="none" rtlCol="0">
+            <a:spAutoFit/>
+          </a:bodyPr>
+          <a:lstStyle/>
+          <a:p>
+            <a:pPr marL="285750" indent="-285750" algn="l" rtl="0" eaLnBrk="1" fontAlgn="auto" hangingPunct="1">
+              <a:lnSpc>
+                <a:spcPct val="90000"/>
+              </a:lnSpc>
+              <a:spcBef>
+                <a:spcPts val="0"/>
+              </a:spcBef>
+              <a:spcAft>
+                <a:spcPts val="400"/>
+              </a:spcAft>
+              <a:buFont typeface="Arial" panose="020B0604020202020204" pitchFamily="34" charset="0"/>
+              <a:buChar char="•"/>
+            </a:pPr>
+            <a:r>
+              <a:rPr lang="en-US" sz="1400" b="0" i="0" u="none" baseline="0">
+                <a:solidFill>
+                  <a:schemeClr val="accent1"/>
+                </a:solidFill>
+                <a:latin typeface="Arial"/>
+              </a:rPr>
+              <a:t>Total of 2B claims and 3B prior auth events (largest subject areas)</a:t>
+            </a:r>
+          </a:p>
+          <a:p>
+            <a:pPr marL="285750" indent="-285750" algn="l" rtl="0" eaLnBrk="1" fontAlgn="auto" hangingPunct="1">
+              <a:lnSpc>
+                <a:spcPct val="90000"/>
+              </a:lnSpc>
+              <a:spcBef>
+                <a:spcPts val="0"/>
+              </a:spcBef>
+              <a:spcAft>
+                <a:spcPts val="400"/>
+              </a:spcAft>
+              <a:buFont typeface="Arial" panose="020B0604020202020204" pitchFamily="34" charset="0"/>
+              <a:buChar char="•"/>
+            </a:pPr>
+            <a:r>
+              <a:rPr lang="en-US" sz="1400">
+                <a:solidFill>
+                  <a:schemeClr val="accent1"/>
+                </a:solidFill>
+                <a:latin typeface="Arial"/>
+              </a:rPr>
+              <a:t>5-10M events a day</a:t>
+            </a:r>
+          </a:p>
+          <a:p>
+            <a:pPr marL="285750" indent="-285750">
+              <a:lnSpc>
+                <a:spcPct val="90000"/>
+              </a:lnSpc>
+              <a:spcAft>
+                <a:spcPts val="400"/>
+              </a:spcAft>
+              <a:buFont typeface="Arial" panose="020B0604020202020204" pitchFamily="34" charset="0"/>
+              <a:buChar char="•"/>
+            </a:pPr>
+            <a:r>
+              <a:rPr lang="en-US" sz="1400">
+                <a:solidFill>
+                  <a:schemeClr val="accent1"/>
+                </a:solidFill>
+              </a:rPr>
+              <a:t>Tables with 40B+ rows</a:t>
+            </a:r>
+          </a:p>
+          <a:p>
+            <a:pPr marL="285750" indent="-285750">
+              <a:lnSpc>
+                <a:spcPct val="90000"/>
+              </a:lnSpc>
+              <a:spcAft>
+                <a:spcPts val="400"/>
+              </a:spcAft>
+              <a:buFont typeface="Arial" panose="020B0604020202020204" pitchFamily="34" charset="0"/>
+              <a:buChar char="•"/>
+            </a:pPr>
+            <a:r>
+              <a:rPr lang="en-US" sz="1400">
+                <a:solidFill>
+                  <a:schemeClr val="accent1"/>
+                </a:solidFill>
+              </a:rPr>
+              <a:t>Data store handles inserts of 10s of Millions while serving up data with 2-5s latency</a:t>
+            </a:r>
+            <a:endParaRPr lang="en-US" sz="1400" b="0" i="0" u="none" baseline="0">
+              <a:solidFill>
+                <a:schemeClr val="accent1"/>
+              </a:solidFill>
+              <a:latin typeface="Arial"/>
+            </a:endParaRPr>
+          </a:p>
+          <a:p>
+            <a:pPr marL="285750" indent="-285750" algn="l" rtl="0" eaLnBrk="1" fontAlgn="auto" hangingPunct="1">
+              <a:lnSpc>
+                <a:spcPct val="90000"/>
+              </a:lnSpc>
+              <a:spcBef>
+                <a:spcPts val="0"/>
+              </a:spcBef>
+              <a:spcAft>
+                <a:spcPts val="400"/>
+              </a:spcAft>
+              <a:buFont typeface="Arial" panose="020B0604020202020204" pitchFamily="34" charset="0"/>
+              <a:buChar char="•"/>
+            </a:pPr>
+            <a:r>
+              <a:rPr lang="en-US" sz="1400" b="0" i="0" u="none" baseline="0">
+                <a:solidFill>
+                  <a:schemeClr val="accent1"/>
+                </a:solidFill>
+                <a:latin typeface="Arial"/>
+              </a:rPr>
+              <a:t>API response times &lt; 300ms tested for 100 TPS</a:t>
+            </a:r>
+          </a:p>
+        </p:txBody>
+      </p:sp>
+    </p:spTree>
+    <p:extLst>
+      <p:ext uri="{BB962C8B-B14F-4D97-AF65-F5344CB8AC3E}">
+        <p14:creationId xmlns:p14="http://schemas.microsoft.com/office/powerpoint/2010/main" val="3302677469"/>
+      </p:ext>
+    </p:extLst>
+  </p:cSld>
+  <p:clrMapOvr>
+    <a:masterClrMapping/>
+  </p:clrMapOvr>
+</p:sld>
+</file>
+
+<file path=ppt/slides/slide4.xml><?xml version="1.0" encoding="utf-8"?>
+<p:sld xmlns:a="http://schemas.openxmlformats.org/drawingml/2006/main" xmlns:r="http://schemas.openxmlformats.org/officeDocument/2006/relationships" xmlns:p="http://schemas.openxmlformats.org/presentationml/2006/main">
+  <p:cSld>
+    <p:spTree>
+      <p:nvGrpSpPr>
+        <p:cNvPr id="1" name=""/>
+        <p:cNvGrpSpPr/>
+        <p:nvPr/>
+      </p:nvGrpSpPr>
+      <p:grpSpPr>
+        <a:xfrm>
+          <a:off x="0" y="0"/>
+          <a:ext cx="0" cy="0"/>
+          <a:chOff x="0" y="0"/>
+          <a:chExt cx="0" cy="0"/>
+        </a:xfrm>
+      </p:grpSpPr>
+      <p:sp>
+        <p:nvSpPr>
+          <p:cNvPr id="2" name="Title 1">
+            <a:extLst>
+              <a:ext uri="{FF2B5EF4-FFF2-40B4-BE49-F238E27FC236}">
+                <a16:creationId xmlns:a16="http://schemas.microsoft.com/office/drawing/2014/main" id="{F107C995-2C43-604B-AD87-FC8E0B764273}"/>
+              </a:ext>
+            </a:extLst>
+          </p:cNvPr>
+          <p:cNvSpPr>
+            <a:spLocks noGrp="1"/>
+          </p:cNvSpPr>
+          <p:nvPr>
+            <p:ph type="title"/>
+          </p:nvPr>
+        </p:nvSpPr>
+        <p:spPr/>
+        <p:txBody>
+          <a:bodyPr/>
+          <a:lstStyle/>
+          <a:p>
+            <a:r>
+              <a:rPr lang="en-US" dirty="0"/>
+              <a:t>Agenda</a:t>
+            </a:r>
+          </a:p>
+        </p:txBody>
+      </p:sp>
+      <p:sp>
+        <p:nvSpPr>
+          <p:cNvPr id="3" name="Content Placeholder 2">
+            <a:extLst>
+              <a:ext uri="{FF2B5EF4-FFF2-40B4-BE49-F238E27FC236}">
+                <a16:creationId xmlns:a16="http://schemas.microsoft.com/office/drawing/2014/main" id="{24359713-7308-6D47-8F65-43BC08D50A71}"/>
+              </a:ext>
+            </a:extLst>
+          </p:cNvPr>
+          <p:cNvSpPr>
+            <a:spLocks noGrp="1"/>
+          </p:cNvSpPr>
+          <p:nvPr>
+            <p:ph idx="1"/>
+          </p:nvPr>
+        </p:nvSpPr>
+        <p:spPr/>
+        <p:txBody>
+          <a:bodyPr/>
+          <a:lstStyle/>
+          <a:p>
+            <a:r>
+              <a:rPr lang="en-US" dirty="0"/>
+              <a:t>Docker and Kubernetes</a:t>
+            </a:r>
+          </a:p>
+          <a:p>
+            <a:r>
+              <a:rPr lang="en-US" dirty="0"/>
+              <a:t>Spring Boot</a:t>
+            </a:r>
+          </a:p>
+          <a:p>
+            <a:r>
+              <a:rPr lang="en-US" dirty="0"/>
+              <a:t>Kafka and Kafka Streams</a:t>
+            </a:r>
+          </a:p>
+          <a:p>
+            <a:r>
+              <a:rPr lang="en-US" dirty="0"/>
+              <a:t>Elasticsearch</a:t>
+            </a:r>
+          </a:p>
+        </p:txBody>
+      </p:sp>
+    </p:spTree>
+    <p:extLst>
+      <p:ext uri="{BB962C8B-B14F-4D97-AF65-F5344CB8AC3E}">
+        <p14:creationId xmlns:p14="http://schemas.microsoft.com/office/powerpoint/2010/main" val="3748810788"/>
+      </p:ext>
+    </p:extLst>
+  </p:cSld>
+  <p:clrMapOvr>
+    <a:masterClrMapping/>
+  </p:clrMapOvr>
+</p:sld>
+</file>
+
+<file path=ppt/slides/slide5.xml><?xml version="1.0" encoding="utf-8"?>
+<p:sld xmlns:a="http://schemas.openxmlformats.org/drawingml/2006/main" xmlns:r="http://schemas.openxmlformats.org/officeDocument/2006/relationships" xmlns:p="http://schemas.openxmlformats.org/presentationml/2006/main">
+  <p:cSld>
+    <p:spTree>
+      <p:nvGrpSpPr>
+        <p:cNvPr id="1" name=""/>
+        <p:cNvGrpSpPr/>
+        <p:nvPr/>
+      </p:nvGrpSpPr>
+      <p:grpSpPr>
+        <a:xfrm>
+          <a:off x="0" y="0"/>
+          <a:ext cx="0" cy="0"/>
+          <a:chOff x="0" y="0"/>
+          <a:chExt cx="0" cy="0"/>
+        </a:xfrm>
+      </p:grpSpPr>
+      <p:sp>
+        <p:nvSpPr>
+          <p:cNvPr id="2" name="Title 1">
+            <a:extLst>
+              <a:ext uri="{FF2B5EF4-FFF2-40B4-BE49-F238E27FC236}">
+                <a16:creationId xmlns:a16="http://schemas.microsoft.com/office/drawing/2014/main" id="{6BD25FAB-26CB-6640-9840-7DD82095FC06}"/>
+              </a:ext>
+            </a:extLst>
+          </p:cNvPr>
+          <p:cNvSpPr>
+            <a:spLocks noGrp="1"/>
+          </p:cNvSpPr>
+          <p:nvPr>
+            <p:ph type="ctrTitle"/>
+          </p:nvPr>
+        </p:nvSpPr>
+        <p:spPr/>
+        <p:txBody>
+          <a:bodyPr/>
+          <a:lstStyle/>
+          <a:p>
+            <a:r>
+              <a:rPr lang="en-US" dirty="0"/>
+              <a:t>Basics of </a:t>
+            </a:r>
+            <a:br>
+              <a:rPr lang="en-US" dirty="0"/>
+            </a:br>
+            <a:r>
+              <a:rPr lang="en-US" dirty="0"/>
+              <a:t>Docker and Kubernetes </a:t>
+            </a:r>
+          </a:p>
+        </p:txBody>
+      </p:sp>
+      <p:sp>
+        <p:nvSpPr>
+          <p:cNvPr id="3" name="Subtitle 2">
+            <a:extLst>
+              <a:ext uri="{FF2B5EF4-FFF2-40B4-BE49-F238E27FC236}">
+                <a16:creationId xmlns:a16="http://schemas.microsoft.com/office/drawing/2014/main" id="{60EAE2D9-4FD3-F34C-B6FC-6F320302EE67}"/>
+              </a:ext>
+            </a:extLst>
+          </p:cNvPr>
+          <p:cNvSpPr>
+            <a:spLocks noGrp="1"/>
+          </p:cNvSpPr>
+          <p:nvPr>
+            <p:ph type="subTitle" idx="1"/>
+          </p:nvPr>
+        </p:nvSpPr>
+        <p:spPr/>
+        <p:txBody>
+          <a:bodyPr/>
+          <a:lstStyle/>
+          <a:p>
+            <a:endParaRPr lang="en-US" dirty="0"/>
+          </a:p>
+        </p:txBody>
+      </p:sp>
+    </p:spTree>
+    <p:extLst>
+      <p:ext uri="{BB962C8B-B14F-4D97-AF65-F5344CB8AC3E}">
+        <p14:creationId xmlns:p14="http://schemas.microsoft.com/office/powerpoint/2010/main" val="1604016232"/>
+      </p:ext>
+    </p:extLst>
+  </p:cSld>
+  <p:clrMapOvr>
+    <a:masterClrMapping/>
+  </p:clrMapOvr>
+</p:sld>
+</file>
+
+<file path=ppt/slides/slide6.xml><?xml version="1.0" encoding="utf-8"?>
+<p:sld xmlns:a="http://schemas.openxmlformats.org/drawingml/2006/main" xmlns:r="http://schemas.openxmlformats.org/officeDocument/2006/relationships" xmlns:p="http://schemas.openxmlformats.org/presentationml/2006/main">
+  <p:cSld>
+    <p:spTree>
+      <p:nvGrpSpPr>
+        <p:cNvPr id="1" name=""/>
+        <p:cNvGrpSpPr/>
+        <p:nvPr/>
+      </p:nvGrpSpPr>
+      <p:grpSpPr>
+        <a:xfrm>
+          <a:off x="0" y="0"/>
+          <a:ext cx="0" cy="0"/>
+          <a:chOff x="0" y="0"/>
+          <a:chExt cx="0" cy="0"/>
+        </a:xfrm>
+      </p:grpSpPr>
+      <p:sp>
+        <p:nvSpPr>
+          <p:cNvPr id="2" name="Title 1">
+            <a:extLst>
+              <a:ext uri="{FF2B5EF4-FFF2-40B4-BE49-F238E27FC236}">
+                <a16:creationId xmlns:a16="http://schemas.microsoft.com/office/drawing/2014/main" id="{E75DA16C-63AB-F644-9967-F9AC62FAC5F3}"/>
+              </a:ext>
+            </a:extLst>
+          </p:cNvPr>
+          <p:cNvSpPr>
+            <a:spLocks noGrp="1"/>
+          </p:cNvSpPr>
+          <p:nvPr>
+            <p:ph type="title"/>
+          </p:nvPr>
+        </p:nvSpPr>
+        <p:spPr/>
+        <p:txBody>
+          <a:bodyPr/>
+          <a:lstStyle/>
+          <a:p>
+            <a:endParaRPr lang="en-US"/>
+          </a:p>
+        </p:txBody>
+      </p:sp>
+      <p:sp>
+        <p:nvSpPr>
+          <p:cNvPr id="3" name="Content Placeholder 2">
+            <a:extLst>
+              <a:ext uri="{FF2B5EF4-FFF2-40B4-BE49-F238E27FC236}">
+                <a16:creationId xmlns:a16="http://schemas.microsoft.com/office/drawing/2014/main" id="{BFE6CB94-8247-BB40-817B-A2917691BB61}"/>
+              </a:ext>
+            </a:extLst>
+          </p:cNvPr>
+          <p:cNvSpPr>
+            <a:spLocks noGrp="1"/>
+          </p:cNvSpPr>
+          <p:nvPr>
+            <p:ph idx="1"/>
+          </p:nvPr>
+        </p:nvSpPr>
+        <p:spPr/>
+        <p:txBody>
+          <a:bodyPr/>
+          <a:lstStyle/>
+          <a:p>
+            <a:r>
+              <a:rPr lang="en-US" dirty="0"/>
+              <a:t>What is docker and why is it popular</a:t>
+            </a:r>
+          </a:p>
+        </p:txBody>
+      </p:sp>
+    </p:spTree>
+    <p:extLst>
+      <p:ext uri="{BB962C8B-B14F-4D97-AF65-F5344CB8AC3E}">
+        <p14:creationId xmlns:p14="http://schemas.microsoft.com/office/powerpoint/2010/main" val="802397060"/>
+      </p:ext>
+    </p:extLst>
+  </p:cSld>
+  <p:clrMapOvr>
+    <a:masterClrMapping/>
+  </p:clrMapOvr>
+</p:sld>
+</file>
+
+<file path=ppt/slides/slide7.xml><?xml version="1.0" encoding="utf-8"?>
+<p:sld xmlns:a="http://schemas.openxmlformats.org/drawingml/2006/main" xmlns:r="http://schemas.openxmlformats.org/officeDocument/2006/relationships" xmlns:p="http://schemas.openxmlformats.org/presentationml/2006/main">
+  <p:cSld>
+    <p:spTree>
+      <p:nvGrpSpPr>
+        <p:cNvPr id="1" name=""/>
+        <p:cNvGrpSpPr/>
+        <p:nvPr/>
+      </p:nvGrpSpPr>
+      <p:grpSpPr>
+        <a:xfrm>
+          <a:off x="0" y="0"/>
+          <a:ext cx="0" cy="0"/>
+          <a:chOff x="0" y="0"/>
+          <a:chExt cx="0" cy="0"/>
+        </a:xfrm>
+      </p:grpSpPr>
+      <p:sp>
+        <p:nvSpPr>
+          <p:cNvPr id="2" name="Title 1">
+            <a:extLst>
+              <a:ext uri="{FF2B5EF4-FFF2-40B4-BE49-F238E27FC236}">
+                <a16:creationId xmlns:a16="http://schemas.microsoft.com/office/drawing/2014/main" id="{E75DA16C-63AB-F644-9967-F9AC62FAC5F3}"/>
+              </a:ext>
+            </a:extLst>
+          </p:cNvPr>
+          <p:cNvSpPr>
+            <a:spLocks noGrp="1"/>
+          </p:cNvSpPr>
+          <p:nvPr>
+            <p:ph type="title"/>
+          </p:nvPr>
+        </p:nvSpPr>
+        <p:spPr/>
+        <p:txBody>
+          <a:bodyPr/>
+          <a:lstStyle/>
+          <a:p>
+            <a:r>
+              <a:rPr lang="en-US" dirty="0" err="1"/>
+              <a:t>Dockerfile</a:t>
+            </a:r>
+            <a:endParaRPr lang="en-US" dirty="0"/>
+          </a:p>
+        </p:txBody>
+      </p:sp>
+      <p:pic>
+        <p:nvPicPr>
+          <p:cNvPr id="5" name="Content Placeholder 4">
+            <a:extLst>
+              <a:ext uri="{FF2B5EF4-FFF2-40B4-BE49-F238E27FC236}">
+                <a16:creationId xmlns:a16="http://schemas.microsoft.com/office/drawing/2014/main" id="{79CC8D4A-CD62-764C-B982-913DA6CE3073}"/>
+              </a:ext>
+            </a:extLst>
+          </p:cNvPr>
+          <p:cNvPicPr>
+            <a:picLocks noGrp="1" noChangeAspect="1"/>
+          </p:cNvPicPr>
+          <p:nvPr>
+            <p:ph idx="1"/>
+          </p:nvPr>
+        </p:nvPicPr>
+        <p:blipFill>
+          <a:blip r:embed="rId2"/>
+          <a:stretch>
+            <a:fillRect/>
+          </a:stretch>
+        </p:blipFill>
+        <p:spPr>
+          <a:xfrm>
+            <a:off x="4495800" y="3347244"/>
+            <a:ext cx="3200400" cy="1308100"/>
+          </a:xfrm>
+          <a:prstGeom prst="rect">
+            <a:avLst/>
+          </a:prstGeom>
+        </p:spPr>
+      </p:pic>
+    </p:spTree>
+    <p:extLst>
+      <p:ext uri="{BB962C8B-B14F-4D97-AF65-F5344CB8AC3E}">
+        <p14:creationId xmlns:p14="http://schemas.microsoft.com/office/powerpoint/2010/main" val="3706641825"/>
+      </p:ext>
+    </p:extLst>
+  </p:cSld>
+  <p:clrMapOvr>
+    <a:masterClrMapping/>
+  </p:clrMapOvr>
+</p:sld>
+</file>
+
+<file path=ppt/slides/slide8.xml><?xml version="1.0" encoding="utf-8"?>
+<p:sld xmlns:a="http://schemas.openxmlformats.org/drawingml/2006/main" xmlns:r="http://schemas.openxmlformats.org/officeDocument/2006/relationships" xmlns:p="http://schemas.openxmlformats.org/presentationml/2006/main">
+  <p:cSld>
+    <p:spTree>
+      <p:nvGrpSpPr>
+        <p:cNvPr id="1" name=""/>
+        <p:cNvGrpSpPr/>
+        <p:nvPr/>
+      </p:nvGrpSpPr>
+      <p:grpSpPr>
+        <a:xfrm>
+          <a:off x="0" y="0"/>
+          <a:ext cx="0" cy="0"/>
+          <a:chOff x="0" y="0"/>
+          <a:chExt cx="0" cy="0"/>
+        </a:xfrm>
+      </p:grpSpPr>
+      <p:sp>
+        <p:nvSpPr>
+          <p:cNvPr id="2" name="Title 1">
+            <a:extLst>
+              <a:ext uri="{FF2B5EF4-FFF2-40B4-BE49-F238E27FC236}">
+                <a16:creationId xmlns:a16="http://schemas.microsoft.com/office/drawing/2014/main" id="{E75DA16C-63AB-F644-9967-F9AC62FAC5F3}"/>
+              </a:ext>
+            </a:extLst>
+          </p:cNvPr>
+          <p:cNvSpPr>
+            <a:spLocks noGrp="1"/>
+          </p:cNvSpPr>
+          <p:nvPr>
+            <p:ph type="title"/>
+          </p:nvPr>
+        </p:nvSpPr>
+        <p:spPr/>
+        <p:txBody>
+          <a:bodyPr/>
+          <a:lstStyle/>
+          <a:p>
+            <a:r>
+              <a:rPr lang="en-US" dirty="0"/>
+              <a:t>Image Repository</a:t>
+            </a:r>
+          </a:p>
+        </p:txBody>
+      </p:sp>
+      <p:sp>
+        <p:nvSpPr>
+          <p:cNvPr id="3" name="Content Placeholder 2">
+            <a:extLst>
+              <a:ext uri="{FF2B5EF4-FFF2-40B4-BE49-F238E27FC236}">
+                <a16:creationId xmlns:a16="http://schemas.microsoft.com/office/drawing/2014/main" id="{BFE6CB94-8247-BB40-817B-A2917691BB61}"/>
+              </a:ext>
+            </a:extLst>
+          </p:cNvPr>
+          <p:cNvSpPr>
+            <a:spLocks noGrp="1"/>
+          </p:cNvSpPr>
+          <p:nvPr>
+            <p:ph idx="1"/>
+          </p:nvPr>
+        </p:nvSpPr>
+        <p:spPr/>
+        <p:txBody>
+          <a:bodyPr/>
+          <a:lstStyle/>
+          <a:p>
+            <a:pPr>
+              <a:buFontTx/>
+              <a:buChar char="-"/>
+            </a:pPr>
+            <a:r>
+              <a:rPr lang="en-US" dirty="0"/>
+              <a:t>Artifactory</a:t>
+            </a:r>
+          </a:p>
+          <a:p>
+            <a:pPr>
+              <a:buFontTx/>
+              <a:buChar char="-"/>
+            </a:pPr>
+            <a:r>
+              <a:rPr lang="en-US" dirty="0" err="1"/>
+              <a:t>Dockerhub</a:t>
+            </a:r>
+            <a:endParaRPr lang="en-US" dirty="0"/>
+          </a:p>
+          <a:p>
+            <a:pPr>
+              <a:buFontTx/>
+              <a:buChar char="-"/>
+            </a:pPr>
+            <a:r>
+              <a:rPr lang="en-US" dirty="0"/>
+              <a:t>ECR</a:t>
+            </a:r>
+          </a:p>
+          <a:p>
+            <a:pPr>
+              <a:buFontTx/>
+              <a:buChar char="-"/>
+            </a:pPr>
+            <a:r>
+              <a:rPr lang="en-US" dirty="0"/>
+              <a:t>ACR</a:t>
+            </a:r>
+          </a:p>
+          <a:p>
+            <a:pPr>
+              <a:buFontTx/>
+              <a:buChar char="-"/>
+            </a:pPr>
+            <a:endParaRPr lang="en-US" dirty="0"/>
+          </a:p>
+        </p:txBody>
+      </p:sp>
+    </p:spTree>
+    <p:extLst>
+      <p:ext uri="{BB962C8B-B14F-4D97-AF65-F5344CB8AC3E}">
+        <p14:creationId xmlns:p14="http://schemas.microsoft.com/office/powerpoint/2010/main" val="1281412213"/>
+      </p:ext>
+    </p:extLst>
+  </p:cSld>
+  <p:clrMapOvr>
+    <a:masterClrMapping/>
+  </p:clrMapOvr>
+</p:sld>
+</file>
+
+<file path=ppt/slides/slide9.xml><?xml version="1.0" encoding="utf-8"?>
+<p:sld xmlns:a="http://schemas.openxmlformats.org/drawingml/2006/main" xmlns:r="http://schemas.openxmlformats.org/officeDocument/2006/relationships" xmlns:p="http://schemas.openxmlformats.org/presentationml/2006/main">
+  <p:cSld>
+    <p:spTree>
+      <p:nvGrpSpPr>
+        <p:cNvPr id="1" name=""/>
+        <p:cNvGrpSpPr/>
+        <p:nvPr/>
+      </p:nvGrpSpPr>
+      <p:grpSpPr>
+        <a:xfrm>
+          <a:off x="0" y="0"/>
+          <a:ext cx="0" cy="0"/>
+          <a:chOff x="0" y="0"/>
+          <a:chExt cx="0" cy="0"/>
+        </a:xfrm>
+      </p:grpSpPr>
+      <p:sp>
+        <p:nvSpPr>
+          <p:cNvPr id="2" name="Title 1">
+            <a:extLst>
+              <a:ext uri="{FF2B5EF4-FFF2-40B4-BE49-F238E27FC236}">
+                <a16:creationId xmlns:a16="http://schemas.microsoft.com/office/drawing/2014/main" id="{E75DA16C-63AB-F644-9967-F9AC62FAC5F3}"/>
+              </a:ext>
+            </a:extLst>
+          </p:cNvPr>
+          <p:cNvSpPr>
+            <a:spLocks noGrp="1"/>
+          </p:cNvSpPr>
+          <p:nvPr>
+            <p:ph type="title"/>
+          </p:nvPr>
+        </p:nvSpPr>
+        <p:spPr/>
+        <p:txBody>
+          <a:bodyPr/>
+          <a:lstStyle/>
+          <a:p>
+            <a:r>
+              <a:rPr lang="en-US" dirty="0"/>
+              <a:t>Other Docker Features</a:t>
+            </a:r>
+          </a:p>
+        </p:txBody>
+      </p:sp>
+      <p:sp>
+        <p:nvSpPr>
+          <p:cNvPr id="3" name="Content Placeholder 2">
+            <a:extLst>
+              <a:ext uri="{FF2B5EF4-FFF2-40B4-BE49-F238E27FC236}">
+                <a16:creationId xmlns:a16="http://schemas.microsoft.com/office/drawing/2014/main" id="{BFE6CB94-8247-BB40-817B-A2917691BB61}"/>
+              </a:ext>
+            </a:extLst>
+          </p:cNvPr>
+          <p:cNvSpPr>
+            <a:spLocks noGrp="1"/>
+          </p:cNvSpPr>
+          <p:nvPr>
+            <p:ph idx="1"/>
+          </p:nvPr>
+        </p:nvSpPr>
+        <p:spPr/>
+        <p:txBody>
+          <a:bodyPr/>
+          <a:lstStyle/>
+          <a:p>
+            <a:pPr>
+              <a:buFontTx/>
+              <a:buChar char="-"/>
+            </a:pPr>
+            <a:r>
+              <a:rPr lang="en-US" dirty="0"/>
+              <a:t>Port Forward</a:t>
+            </a:r>
+          </a:p>
+          <a:p>
+            <a:pPr>
+              <a:buFontTx/>
+              <a:buChar char="-"/>
+            </a:pPr>
+            <a:r>
+              <a:rPr lang="en-US" dirty="0"/>
+              <a:t>Volume Mount</a:t>
+            </a:r>
+          </a:p>
+          <a:p>
+            <a:pPr>
+              <a:buFontTx/>
+              <a:buChar char="-"/>
+            </a:pPr>
+            <a:r>
+              <a:rPr lang="en-US" dirty="0"/>
+              <a:t>Environment Injection</a:t>
+            </a:r>
+          </a:p>
+          <a:p>
+            <a:pPr marL="0" indent="0">
+              <a:buNone/>
+            </a:pPr>
+            <a:endParaRPr lang="en-US" dirty="0"/>
+          </a:p>
+          <a:p>
+            <a:pPr>
+              <a:buFontTx/>
+              <a:buChar char="-"/>
+            </a:pPr>
+            <a:endParaRPr lang="en-US" dirty="0"/>
+          </a:p>
+          <a:p>
+            <a:pPr>
+              <a:buFontTx/>
+              <a:buChar char="-"/>
+            </a:pPr>
+            <a:endParaRPr lang="en-US" dirty="0"/>
+          </a:p>
+        </p:txBody>
+      </p:sp>
+    </p:spTree>
+    <p:extLst>
+      <p:ext uri="{BB962C8B-B14F-4D97-AF65-F5344CB8AC3E}">
+        <p14:creationId xmlns:p14="http://schemas.microsoft.com/office/powerpoint/2010/main" val="1561756691"/>
+      </p:ext>
+    </p:extLst>
+  </p:cSld>
+  <p:clrMapOvr>
+    <a:masterClrMapping/>
+  </p:clrMapOvr>
+</p:sld>
+</file>
+
+<file path=ppt/tags/tag1.xml><?xml version="1.0" encoding="utf-8"?>
+<p:tagLst xmlns:a="http://schemas.openxmlformats.org/drawingml/2006/main" xmlns:r="http://schemas.openxmlformats.org/officeDocument/2006/relationships" xmlns:p="http://schemas.openxmlformats.org/presentationml/2006/main">
+  <p:tag name="MIO_CD_LAYOUT_VALID_AREA" val="true"/>
+</p:tagLst>
+</file>
+
+<file path=ppt/tags/tag2.xml><?xml version="1.0" encoding="utf-8"?>
+<p:tagLst xmlns:a="http://schemas.openxmlformats.org/drawingml/2006/main" xmlns:r="http://schemas.openxmlformats.org/officeDocument/2006/relationships" xmlns:p="http://schemas.openxmlformats.org/presentationml/2006/main">
+  <p:tag name="MIO_CD_LOGO_PROTECTION" val="true"/>
+</p:tagLst>
+</file>
+
+<file path=ppt/tags/tag3.xml><?xml version="1.0" encoding="utf-8"?>
+<p:tagLst xmlns:a="http://schemas.openxmlformats.org/drawingml/2006/main" xmlns:r="http://schemas.openxmlformats.org/officeDocument/2006/relationships" xmlns:p="http://schemas.openxmlformats.org/presentationml/2006/main">
+  <p:tag name="MIO_SKIP_CDCHECK" val="True"/>
+  <p:tag name="MIO_CD_LAYOUT_VALID_AREA" val="true"/>
+</p:tagLst>
+</file>
+
+<file path=ppt/tags/tag4.xml><?xml version="1.0" encoding="utf-8"?>
+<p:tagLst xmlns:a="http://schemas.openxmlformats.org/drawingml/2006/main" xmlns:r="http://schemas.openxmlformats.org/officeDocument/2006/relationships" xmlns:p="http://schemas.openxmlformats.org/presentationml/2006/main">
+  <p:tag name="MIO_CD_LAYOUT_VALID_AREA" val="true"/>
+</p:tagLst>
 </file>
 
 <file path=ppt/theme/theme1.xml><?xml version="1.0" encoding="utf-8"?>
@@ -4745,4 +7531,299 @@
     </a:ext>
   </a:extLst>
 </a:theme>
+</file>
+
+<file path=ppt/theme/theme2.xml><?xml version="1.0" encoding="utf-8"?>
+<a:theme xmlns:a="http://schemas.openxmlformats.org/drawingml/2006/main" name="Office Theme">
+  <a:themeElements>
+    <a:clrScheme name="Office">
+      <a:dk1>
+        <a:sysClr val="windowText" lastClr="000000"/>
+      </a:dk1>
+      <a:lt1>
+        <a:sysClr val="window" lastClr="FFFFFF"/>
+      </a:lt1>
+      <a:dk2>
+        <a:srgbClr val="44546A"/>
+      </a:dk2>
+      <a:lt2>
+        <a:srgbClr val="E7E6E6"/>
+      </a:lt2>
+      <a:accent1>
+        <a:srgbClr val="4472C4"/>
+      </a:accent1>
+      <a:accent2>
+        <a:srgbClr val="ED7D31"/>
+      </a:accent2>
+      <a:accent3>
+        <a:srgbClr val="A5A5A5"/>
+      </a:accent3>
+      <a:accent4>
+        <a:srgbClr val="FFC000"/>
+      </a:accent4>
+      <a:accent5>
+        <a:srgbClr val="5B9BD5"/>
+      </a:accent5>
+      <a:accent6>
+        <a:srgbClr val="70AD47"/>
+      </a:accent6>
+      <a:hlink>
+        <a:srgbClr val="0563C1"/>
+      </a:hlink>
+      <a:folHlink>
+        <a:srgbClr val="954F72"/>
+      </a:folHlink>
+    </a:clrScheme>
+    <a:fontScheme name="Office">
+      <a:majorFont>
+        <a:latin typeface="Calibri Light" panose="020F0302020204030204"/>
+        <a:ea typeface=""/>
+        <a:cs typeface=""/>
+        <a:font script="Jpan" typeface="游ゴシック Light"/>
+        <a:font script="Hang" typeface="맑은 고딕"/>
+        <a:font script="Hans" typeface="等线 Light"/>
+        <a:font script="Hant" typeface="新細明體"/>
+        <a:font script="Arab" typeface="Times New Roman"/>
+        <a:font script="Hebr" typeface="Times New Roman"/>
+        <a:font script="Thai" typeface="Angsana New"/>
+        <a:font script="Ethi" typeface="Nyala"/>
+        <a:font script="Beng" typeface="Vrinda"/>
+        <a:font script="Gujr" typeface="Shruti"/>
+        <a:font script="Khmr" typeface="MoolBoran"/>
+        <a:font script="Knda" typeface="Tunga"/>
+        <a:font script="Guru" typeface="Raavi"/>
+        <a:font script="Cans" typeface="Euphemia"/>
+        <a:font script="Cher" typeface="Plantagenet Cherokee"/>
+        <a:font script="Yiii" typeface="Microsoft Yi Baiti"/>
+        <a:font script="Tibt" typeface="Microsoft Himalaya"/>
+        <a:font script="Thaa" typeface="MV Boli"/>
+        <a:font script="Deva" typeface="Mangal"/>
+        <a:font script="Telu" typeface="Gautami"/>
+        <a:font script="Taml" typeface="Latha"/>
+        <a:font script="Syrc" typeface="Estrangelo Edessa"/>
+        <a:font script="Orya" typeface="Kalinga"/>
+        <a:font script="Mlym" typeface="Kartika"/>
+        <a:font script="Laoo" typeface="DokChampa"/>
+        <a:font script="Sinh" typeface="Iskoola Pota"/>
+        <a:font script="Mong" typeface="Mongolian Baiti"/>
+        <a:font script="Viet" typeface="Times New Roman"/>
+        <a:font script="Uigh" typeface="Microsoft Uighur"/>
+        <a:font script="Geor" typeface="Sylfaen"/>
+        <a:font script="Armn" typeface="Arial"/>
+        <a:font script="Bugi" typeface="Leelawadee UI"/>
+        <a:font script="Bopo" typeface="Microsoft JhengHei"/>
+        <a:font script="Java" typeface="Javanese Text"/>
+        <a:font script="Lisu" typeface="Segoe UI"/>
+        <a:font script="Mymr" typeface="Myanmar Text"/>
+        <a:font script="Nkoo" typeface="Ebrima"/>
+        <a:font script="Olck" typeface="Nirmala UI"/>
+        <a:font script="Osma" typeface="Ebrima"/>
+        <a:font script="Phag" typeface="Phagspa"/>
+        <a:font script="Syrn" typeface="Estrangelo Edessa"/>
+        <a:font script="Syrj" typeface="Estrangelo Edessa"/>
+        <a:font script="Syre" typeface="Estrangelo Edessa"/>
+        <a:font script="Sora" typeface="Nirmala UI"/>
+        <a:font script="Tale" typeface="Microsoft Tai Le"/>
+        <a:font script="Talu" typeface="Microsoft New Tai Lue"/>
+        <a:font script="Tfng" typeface="Ebrima"/>
+      </a:majorFont>
+      <a:minorFont>
+        <a:latin typeface="Calibri" panose="020F0502020204030204"/>
+        <a:ea typeface=""/>
+        <a:cs typeface=""/>
+        <a:font script="Jpan" typeface="游ゴシック"/>
+        <a:font script="Hang" typeface="맑은 고딕"/>
+        <a:font script="Hans" typeface="等线"/>
+        <a:font script="Hant" typeface="新細明體"/>
+        <a:font script="Arab" typeface="Arial"/>
+        <a:font script="Hebr" typeface="Arial"/>
+        <a:font script="Thai" typeface="Cordia New"/>
+        <a:font script="Ethi" typeface="Nyala"/>
+        <a:font script="Beng" typeface="Vrinda"/>
+        <a:font script="Gujr" typeface="Shruti"/>
+        <a:font script="Khmr" typeface="DaunPenh"/>
+        <a:font script="Knda" typeface="Tunga"/>
+        <a:font script="Guru" typeface="Raavi"/>
+        <a:font script="Cans" typeface="Euphemia"/>
+        <a:font script="Cher" typeface="Plantagenet Cherokee"/>
+        <a:font script="Yiii" typeface="Microsoft Yi Baiti"/>
+        <a:font script="Tibt" typeface="Microsoft Himalaya"/>
+        <a:font script="Thaa" typeface="MV Boli"/>
+        <a:font script="Deva" typeface="Mangal"/>
+        <a:font script="Telu" typeface="Gautami"/>
+        <a:font script="Taml" typeface="Latha"/>
+        <a:font script="Syrc" typeface="Estrangelo Edessa"/>
+        <a:font script="Orya" typeface="Kalinga"/>
+        <a:font script="Mlym" typeface="Kartika"/>
+        <a:font script="Laoo" typeface="DokChampa"/>
+        <a:font script="Sinh" typeface="Iskoola Pota"/>
+        <a:font script="Mong" typeface="Mongolian Baiti"/>
+        <a:font script="Viet" typeface="Arial"/>
+        <a:font script="Uigh" typeface="Microsoft Uighur"/>
+        <a:font script="Geor" typeface="Sylfaen"/>
+        <a:font script="Armn" typeface="Arial"/>
+        <a:font script="Bugi" typeface="Leelawadee UI"/>
+        <a:font script="Bopo" typeface="Microsoft JhengHei"/>
+        <a:font script="Java" typeface="Javanese Text"/>
+        <a:font script="Lisu" typeface="Segoe UI"/>
+        <a:font script="Mymr" typeface="Myanmar Text"/>
+        <a:font script="Nkoo" typeface="Ebrima"/>
+        <a:font script="Olck" typeface="Nirmala UI"/>
+        <a:font script="Osma" typeface="Ebrima"/>
+        <a:font script="Phag" typeface="Phagspa"/>
+        <a:font script="Syrn" typeface="Estrangelo Edessa"/>
+        <a:font script="Syrj" typeface="Estrangelo Edessa"/>
+        <a:font script="Syre" typeface="Estrangelo Edessa"/>
+        <a:font script="Sora" typeface="Nirmala UI"/>
+        <a:font script="Tale" typeface="Microsoft Tai Le"/>
+        <a:font script="Talu" typeface="Microsoft New Tai Lue"/>
+        <a:font script="Tfng" typeface="Ebrima"/>
+      </a:minorFont>
+    </a:fontScheme>
+    <a:fmtScheme name="Office">
+      <a:fillStyleLst>
+        <a:solidFill>
+          <a:schemeClr val="phClr"/>
+        </a:solidFill>
+        <a:gradFill rotWithShape="1">
+          <a:gsLst>
+            <a:gs pos="0">
+              <a:schemeClr val="phClr">
+                <a:lumMod val="110000"/>
+                <a:satMod val="105000"/>
+                <a:tint val="67000"/>
+              </a:schemeClr>
+            </a:gs>
+            <a:gs pos="50000">
+              <a:schemeClr val="phClr">
+                <a:lumMod val="105000"/>
+                <a:satMod val="103000"/>
+                <a:tint val="73000"/>
+              </a:schemeClr>
+            </a:gs>
+            <a:gs pos="100000">
+              <a:schemeClr val="phClr">
+                <a:lumMod val="105000"/>
+                <a:satMod val="109000"/>
+                <a:tint val="81000"/>
+              </a:schemeClr>
+            </a:gs>
+          </a:gsLst>
+          <a:lin ang="5400000" scaled="0"/>
+        </a:gradFill>
+        <a:gradFill rotWithShape="1">
+          <a:gsLst>
+            <a:gs pos="0">
+              <a:schemeClr val="phClr">
+                <a:satMod val="103000"/>
+                <a:lumMod val="102000"/>
+                <a:tint val="94000"/>
+              </a:schemeClr>
+            </a:gs>
+            <a:gs pos="50000">
+              <a:schemeClr val="phClr">
+                <a:satMod val="110000"/>
+                <a:lumMod val="100000"/>
+                <a:shade val="100000"/>
+              </a:schemeClr>
+            </a:gs>
+            <a:gs pos="100000">
+              <a:schemeClr val="phClr">
+                <a:lumMod val="99000"/>
+                <a:satMod val="120000"/>
+                <a:shade val="78000"/>
+              </a:schemeClr>
+            </a:gs>
+          </a:gsLst>
+          <a:lin ang="5400000" scaled="0"/>
+        </a:gradFill>
+      </a:fillStyleLst>
+      <a:lnStyleLst>
+        <a:ln w="6350" cap="flat" cmpd="sng" algn="ctr">
+          <a:solidFill>
+            <a:schemeClr val="phClr"/>
+          </a:solidFill>
+          <a:prstDash val="solid"/>
+          <a:miter lim="800000"/>
+        </a:ln>
+        <a:ln w="12700" cap="flat" cmpd="sng" algn="ctr">
+          <a:solidFill>
+            <a:schemeClr val="phClr"/>
+          </a:solidFill>
+          <a:prstDash val="solid"/>
+          <a:miter lim="800000"/>
+        </a:ln>
+        <a:ln w="19050" cap="flat" cmpd="sng" algn="ctr">
+          <a:solidFill>
+            <a:schemeClr val="phClr"/>
+          </a:solidFill>
+          <a:prstDash val="solid"/>
+          <a:miter lim="800000"/>
+        </a:ln>
+      </a:lnStyleLst>
+      <a:effectStyleLst>
+        <a:effectStyle>
+          <a:effectLst/>
+        </a:effectStyle>
+        <a:effectStyle>
+          <a:effectLst/>
+        </a:effectStyle>
+        <a:effectStyle>
+          <a:effectLst>
+            <a:outerShdw blurRad="57150" dist="19050" dir="5400000" algn="ctr" rotWithShape="0">
+              <a:srgbClr val="000000">
+                <a:alpha val="63000"/>
+              </a:srgbClr>
+            </a:outerShdw>
+          </a:effectLst>
+        </a:effectStyle>
+      </a:effectStyleLst>
+      <a:bgFillStyleLst>
+        <a:solidFill>
+          <a:schemeClr val="phClr"/>
+        </a:solidFill>
+        <a:solidFill>
+          <a:schemeClr val="phClr">
+            <a:tint val="95000"/>
+            <a:satMod val="170000"/>
+          </a:schemeClr>
+        </a:solidFill>
+        <a:gradFill rotWithShape="1">
+          <a:gsLst>
+            <a:gs pos="0">
+              <a:schemeClr val="phClr">
+                <a:tint val="93000"/>
+                <a:satMod val="150000"/>
+                <a:shade val="98000"/>
+                <a:lumMod val="102000"/>
+              </a:schemeClr>
+            </a:gs>
+            <a:gs pos="50000">
+              <a:schemeClr val="phClr">
+                <a:tint val="98000"/>
+                <a:satMod val="130000"/>
+                <a:shade val="90000"/>
+                <a:lumMod val="103000"/>
+              </a:schemeClr>
+            </a:gs>
+            <a:gs pos="100000">
+              <a:schemeClr val="phClr">
+                <a:shade val="63000"/>
+                <a:satMod val="120000"/>
+              </a:schemeClr>
+            </a:gs>
+          </a:gsLst>
+          <a:lin ang="5400000" scaled="0"/>
+        </a:gradFill>
+      </a:bgFillStyleLst>
+    </a:fmtScheme>
+  </a:themeElements>
+  <a:objectDefaults/>
+  <a:extraClrSchemeLst/>
+  <a:extLst>
+    <a:ext uri="{05A4C25C-085E-4340-85A3-A5531E510DB2}">
+      <thm15:themeFamily xmlns:thm15="http://schemas.microsoft.com/office/thememl/2012/main" name="Office Theme" id="{62F939B6-93AF-4DB8-9C6B-D6C7DFDC589F}" vid="{4A3C46E8-61CC-4603-A589-7422A47A8E4A}"/>
+    </a:ext>
+  </a:extLst>
+</a:theme>
 </file>
--- a/DockerAndKubernetes/DockerAndKubernetes.pptx
+++ b/DockerAndKubernetes/DockerAndKubernetes.pptx
@@ -5,7 +5,7 @@
     <p:sldMasterId id="2147483648" r:id="rId1"/>
   </p:sldMasterIdLst>
   <p:notesMasterIdLst>
-    <p:notesMasterId r:id="rId17"/>
+    <p:notesMasterId r:id="rId16"/>
   </p:notesMasterIdLst>
   <p:sldIdLst>
     <p:sldId id="2173" r:id="rId2"/>
@@ -22,7 +22,6 @@
     <p:sldId id="264" r:id="rId13"/>
     <p:sldId id="265" r:id="rId14"/>
     <p:sldId id="266" r:id="rId15"/>
-    <p:sldId id="267" r:id="rId16"/>
   </p:sldIdLst>
   <p:sldSz cx="12192000" cy="6858000"/>
   <p:notesSz cx="6858000" cy="9144000"/>
@@ -211,7 +210,7 @@
           <a:p>
             <a:fld id="{D79F7559-23D1-0544-9992-D5DBD08D7C10}" type="datetimeFigureOut">
               <a:rPr lang="en-US" smtClean="0"/>
-              <a:t>11/9/20</a:t>
+              <a:t>11/11/20</a:t>
             </a:fld>
             <a:endParaRPr lang="en-US"/>
           </a:p>
@@ -620,6 +619,90 @@
 </p:notes>
 </file>
 
+<file path=ppt/notesSlides/notesSlide2.xml><?xml version="1.0" encoding="utf-8"?>
+<p:notes xmlns:a="http://schemas.openxmlformats.org/drawingml/2006/main" xmlns:r="http://schemas.openxmlformats.org/officeDocument/2006/relationships" xmlns:p="http://schemas.openxmlformats.org/presentationml/2006/main">
+  <p:cSld>
+    <p:spTree>
+      <p:nvGrpSpPr>
+        <p:cNvPr id="1" name=""/>
+        <p:cNvGrpSpPr/>
+        <p:nvPr/>
+      </p:nvGrpSpPr>
+      <p:grpSpPr>
+        <a:xfrm>
+          <a:off x="0" y="0"/>
+          <a:ext cx="0" cy="0"/>
+          <a:chOff x="0" y="0"/>
+          <a:chExt cx="0" cy="0"/>
+        </a:xfrm>
+      </p:grpSpPr>
+      <p:sp>
+        <p:nvSpPr>
+          <p:cNvPr id="2" name="Slide Image Placeholder 1"/>
+          <p:cNvSpPr>
+            <a:spLocks noGrp="1" noRot="1" noChangeAspect="1"/>
+          </p:cNvSpPr>
+          <p:nvPr>
+            <p:ph type="sldImg"/>
+          </p:nvPr>
+        </p:nvSpPr>
+        <p:spPr/>
+      </p:sp>
+      <p:sp>
+        <p:nvSpPr>
+          <p:cNvPr id="3" name="Notes Placeholder 2"/>
+          <p:cNvSpPr>
+            <a:spLocks noGrp="1"/>
+          </p:cNvSpPr>
+          <p:nvPr>
+            <p:ph type="body" idx="1"/>
+          </p:nvPr>
+        </p:nvSpPr>
+        <p:spPr/>
+        <p:txBody>
+          <a:bodyPr/>
+          <a:lstStyle/>
+          <a:p>
+            <a:endParaRPr lang="en-US"/>
+          </a:p>
+        </p:txBody>
+      </p:sp>
+      <p:sp>
+        <p:nvSpPr>
+          <p:cNvPr id="4" name="Slide Number Placeholder 3"/>
+          <p:cNvSpPr>
+            <a:spLocks noGrp="1"/>
+          </p:cNvSpPr>
+          <p:nvPr>
+            <p:ph type="sldNum" sz="quarter" idx="5"/>
+          </p:nvPr>
+        </p:nvSpPr>
+        <p:spPr/>
+        <p:txBody>
+          <a:bodyPr/>
+          <a:lstStyle/>
+          <a:p>
+            <a:fld id="{BA70C7AE-9129-C248-8B3E-D3529557B3D0}" type="slidenum">
+              <a:rPr lang="en-US" smtClean="0"/>
+              <a:t>4</a:t>
+            </a:fld>
+            <a:endParaRPr lang="en-US"/>
+          </a:p>
+        </p:txBody>
+      </p:sp>
+    </p:spTree>
+    <p:extLst>
+      <p:ext uri="{BB962C8B-B14F-4D97-AF65-F5344CB8AC3E}">
+        <p14:creationId xmlns:p14="http://schemas.microsoft.com/office/powerpoint/2010/main" val="2536478823"/>
+      </p:ext>
+    </p:extLst>
+  </p:cSld>
+  <p:clrMapOvr>
+    <a:masterClrMapping/>
+  </p:clrMapOvr>
+</p:notes>
+</file>
+
 <file path=ppt/slideLayouts/slideLayout1.xml><?xml version="1.0" encoding="utf-8"?>
 <p:sldLayout xmlns:a="http://schemas.openxmlformats.org/drawingml/2006/main" xmlns:r="http://schemas.openxmlformats.org/officeDocument/2006/relationships" xmlns:p="http://schemas.openxmlformats.org/presentationml/2006/main" type="title" preserve="1">
   <p:cSld name="Title Slide">
@@ -767,7 +850,7 @@
           <a:p>
             <a:fld id="{508DA6D4-C01D-7241-A252-C5456593F1F9}" type="datetimeFigureOut">
               <a:rPr lang="en-US" smtClean="0"/>
-              <a:t>11/9/20</a:t>
+              <a:t>11/11/20</a:t>
             </a:fld>
             <a:endParaRPr lang="en-US"/>
           </a:p>
@@ -965,7 +1048,7 @@
           <a:p>
             <a:fld id="{508DA6D4-C01D-7241-A252-C5456593F1F9}" type="datetimeFigureOut">
               <a:rPr lang="en-US" smtClean="0"/>
-              <a:t>11/9/20</a:t>
+              <a:t>11/11/20</a:t>
             </a:fld>
             <a:endParaRPr lang="en-US"/>
           </a:p>
@@ -1173,7 +1256,7 @@
           <a:p>
             <a:fld id="{508DA6D4-C01D-7241-A252-C5456593F1F9}" type="datetimeFigureOut">
               <a:rPr lang="en-US" smtClean="0"/>
-              <a:t>11/9/20</a:t>
+              <a:t>11/11/20</a:t>
             </a:fld>
             <a:endParaRPr lang="en-US"/>
           </a:p>
@@ -1839,7 +1922,7 @@
           <a:p>
             <a:fld id="{508DA6D4-C01D-7241-A252-C5456593F1F9}" type="datetimeFigureOut">
               <a:rPr lang="en-US" smtClean="0"/>
-              <a:t>11/9/20</a:t>
+              <a:t>11/11/20</a:t>
             </a:fld>
             <a:endParaRPr lang="en-US"/>
           </a:p>
@@ -2114,7 +2197,7 @@
           <a:p>
             <a:fld id="{508DA6D4-C01D-7241-A252-C5456593F1F9}" type="datetimeFigureOut">
               <a:rPr lang="en-US" smtClean="0"/>
-              <a:t>11/9/20</a:t>
+              <a:t>11/11/20</a:t>
             </a:fld>
             <a:endParaRPr lang="en-US"/>
           </a:p>
@@ -2379,7 +2462,7 @@
           <a:p>
             <a:fld id="{508DA6D4-C01D-7241-A252-C5456593F1F9}" type="datetimeFigureOut">
               <a:rPr lang="en-US" smtClean="0"/>
-              <a:t>11/9/20</a:t>
+              <a:t>11/11/20</a:t>
             </a:fld>
             <a:endParaRPr lang="en-US"/>
           </a:p>
@@ -2791,7 +2874,7 @@
           <a:p>
             <a:fld id="{508DA6D4-C01D-7241-A252-C5456593F1F9}" type="datetimeFigureOut">
               <a:rPr lang="en-US" smtClean="0"/>
-              <a:t>11/9/20</a:t>
+              <a:t>11/11/20</a:t>
             </a:fld>
             <a:endParaRPr lang="en-US"/>
           </a:p>
@@ -2932,7 +3015,7 @@
           <a:p>
             <a:fld id="{508DA6D4-C01D-7241-A252-C5456593F1F9}" type="datetimeFigureOut">
               <a:rPr lang="en-US" smtClean="0"/>
-              <a:t>11/9/20</a:t>
+              <a:t>11/11/20</a:t>
             </a:fld>
             <a:endParaRPr lang="en-US"/>
           </a:p>
@@ -3045,7 +3128,7 @@
           <a:p>
             <a:fld id="{508DA6D4-C01D-7241-A252-C5456593F1F9}" type="datetimeFigureOut">
               <a:rPr lang="en-US" smtClean="0"/>
-              <a:t>11/9/20</a:t>
+              <a:t>11/11/20</a:t>
             </a:fld>
             <a:endParaRPr lang="en-US"/>
           </a:p>
@@ -3356,7 +3439,7 @@
           <a:p>
             <a:fld id="{508DA6D4-C01D-7241-A252-C5456593F1F9}" type="datetimeFigureOut">
               <a:rPr lang="en-US" smtClean="0"/>
-              <a:t>11/9/20</a:t>
+              <a:t>11/11/20</a:t>
             </a:fld>
             <a:endParaRPr lang="en-US"/>
           </a:p>
@@ -3644,7 +3727,7 @@
           <a:p>
             <a:fld id="{508DA6D4-C01D-7241-A252-C5456593F1F9}" type="datetimeFigureOut">
               <a:rPr lang="en-US" smtClean="0"/>
-              <a:t>11/9/20</a:t>
+              <a:t>11/11/20</a:t>
             </a:fld>
             <a:endParaRPr lang="en-US"/>
           </a:p>
@@ -3885,7 +3968,7 @@
           <a:p>
             <a:fld id="{508DA6D4-C01D-7241-A252-C5456593F1F9}" type="datetimeFigureOut">
               <a:rPr lang="en-US" smtClean="0"/>
-              <a:t>11/9/20</a:t>
+              <a:t>11/11/20</a:t>
             </a:fld>
             <a:endParaRPr lang="en-US"/>
           </a:p>
@@ -4862,6 +4945,35 @@
             </a:r>
           </a:p>
           <a:p>
+            <a:r>
+              <a:rPr lang="en-US" dirty="0"/>
+              <a:t>Secret</a:t>
+            </a:r>
+          </a:p>
+          <a:p>
+            <a:r>
+              <a:rPr lang="en-US" dirty="0" err="1"/>
+              <a:t>Configmap</a:t>
+            </a:r>
+            <a:endParaRPr lang="en-US" dirty="0"/>
+          </a:p>
+          <a:p>
+            <a:r>
+              <a:rPr lang="en-US" dirty="0" err="1"/>
+              <a:t>Persistance</a:t>
+            </a:r>
+            <a:r>
+              <a:rPr lang="en-US" dirty="0"/>
+              <a:t> Storage</a:t>
+            </a:r>
+          </a:p>
+          <a:p>
+            <a:pPr marL="0" indent="0">
+              <a:buNone/>
+            </a:pPr>
+            <a:endParaRPr lang="en-US" dirty="0"/>
+          </a:p>
+          <a:p>
             <a:endParaRPr lang="en-US" dirty="0"/>
           </a:p>
         </p:txBody>
@@ -4870,115 +4982,6 @@
     <p:extLst>
       <p:ext uri="{BB962C8B-B14F-4D97-AF65-F5344CB8AC3E}">
         <p14:creationId xmlns:p14="http://schemas.microsoft.com/office/powerpoint/2010/main" val="2645409588"/>
-      </p:ext>
-    </p:extLst>
-  </p:cSld>
-  <p:clrMapOvr>
-    <a:masterClrMapping/>
-  </p:clrMapOvr>
-</p:sld>
-</file>
-
-<file path=ppt/slides/slide15.xml><?xml version="1.0" encoding="utf-8"?>
-<p:sld xmlns:a="http://schemas.openxmlformats.org/drawingml/2006/main" xmlns:r="http://schemas.openxmlformats.org/officeDocument/2006/relationships" xmlns:p="http://schemas.openxmlformats.org/presentationml/2006/main">
-  <p:cSld>
-    <p:spTree>
-      <p:nvGrpSpPr>
-        <p:cNvPr id="1" name=""/>
-        <p:cNvGrpSpPr/>
-        <p:nvPr/>
-      </p:nvGrpSpPr>
-      <p:grpSpPr>
-        <a:xfrm>
-          <a:off x="0" y="0"/>
-          <a:ext cx="0" cy="0"/>
-          <a:chOff x="0" y="0"/>
-          <a:chExt cx="0" cy="0"/>
-        </a:xfrm>
-      </p:grpSpPr>
-      <p:sp>
-        <p:nvSpPr>
-          <p:cNvPr id="2" name="Title 1">
-            <a:extLst>
-              <a:ext uri="{FF2B5EF4-FFF2-40B4-BE49-F238E27FC236}">
-                <a16:creationId xmlns:a16="http://schemas.microsoft.com/office/drawing/2014/main" id="{BE28667D-18C3-8D48-B52F-B9FD5F97815A}"/>
-              </a:ext>
-            </a:extLst>
-          </p:cNvPr>
-          <p:cNvSpPr>
-            <a:spLocks noGrp="1"/>
-          </p:cNvSpPr>
-          <p:nvPr>
-            <p:ph type="title"/>
-          </p:nvPr>
-        </p:nvSpPr>
-        <p:spPr/>
-        <p:txBody>
-          <a:bodyPr/>
-          <a:lstStyle/>
-          <a:p>
-            <a:r>
-              <a:rPr lang="en-US" dirty="0"/>
-              <a:t>Core Concepts</a:t>
-            </a:r>
-          </a:p>
-        </p:txBody>
-      </p:sp>
-      <p:sp>
-        <p:nvSpPr>
-          <p:cNvPr id="3" name="Content Placeholder 2">
-            <a:extLst>
-              <a:ext uri="{FF2B5EF4-FFF2-40B4-BE49-F238E27FC236}">
-                <a16:creationId xmlns:a16="http://schemas.microsoft.com/office/drawing/2014/main" id="{D12CA317-6577-8D43-8732-A89DF4331398}"/>
-              </a:ext>
-            </a:extLst>
-          </p:cNvPr>
-          <p:cNvSpPr>
-            <a:spLocks noGrp="1"/>
-          </p:cNvSpPr>
-          <p:nvPr>
-            <p:ph idx="1"/>
-          </p:nvPr>
-        </p:nvSpPr>
-        <p:spPr/>
-        <p:txBody>
-          <a:bodyPr/>
-          <a:lstStyle/>
-          <a:p>
-            <a:r>
-              <a:rPr lang="en-US" dirty="0"/>
-              <a:t>Secret</a:t>
-            </a:r>
-          </a:p>
-          <a:p>
-            <a:r>
-              <a:rPr lang="en-US" dirty="0" err="1"/>
-              <a:t>Configmap</a:t>
-            </a:r>
-            <a:endParaRPr lang="en-US" dirty="0"/>
-          </a:p>
-          <a:p>
-            <a:r>
-              <a:rPr lang="en-US" dirty="0" err="1"/>
-              <a:t>Persistance</a:t>
-            </a:r>
-            <a:r>
-              <a:rPr lang="en-US" dirty="0"/>
-              <a:t> Storage</a:t>
-            </a:r>
-          </a:p>
-          <a:p>
-            <a:endParaRPr lang="en-US" dirty="0"/>
-          </a:p>
-          <a:p>
-            <a:endParaRPr lang="en-US" dirty="0"/>
-          </a:p>
-        </p:txBody>
-      </p:sp>
-    </p:spTree>
-    <p:extLst>
-      <p:ext uri="{BB962C8B-B14F-4D97-AF65-F5344CB8AC3E}">
-        <p14:creationId xmlns:p14="http://schemas.microsoft.com/office/powerpoint/2010/main" val="929939759"/>
       </p:ext>
     </p:extLst>
   </p:cSld>
@@ -6650,7 +6653,9 @@
         </p:nvSpPr>
         <p:spPr/>
         <p:txBody>
-          <a:bodyPr/>
+          <a:bodyPr>
+            <a:normAutofit fontScale="92500" lnSpcReduction="20000"/>
+          </a:bodyPr>
           <a:lstStyle/>
           <a:p>
             <a:r>
@@ -6659,9 +6664,23 @@
             </a:r>
           </a:p>
           <a:p>
+            <a:pPr lvl="1"/>
             <a:r>
               <a:rPr lang="en-US" dirty="0"/>
-              <a:t>Spring Boot</a:t>
+              <a:t>Intro on how we run our pipeline </a:t>
+            </a:r>
+          </a:p>
+          <a:p>
+            <a:r>
+              <a:rPr lang="en-US" dirty="0"/>
+              <a:t>Spring Boot </a:t>
+            </a:r>
+          </a:p>
+          <a:p>
+            <a:pPr lvl="1"/>
+            <a:r>
+              <a:rPr lang="en-US" dirty="0"/>
+              <a:t>Intro to spring framework which is used for processing the data including how data is exposed via API</a:t>
             </a:r>
           </a:p>
           <a:p>
@@ -6671,9 +6690,44 @@
             </a:r>
           </a:p>
           <a:p>
+            <a:pPr lvl="1"/>
+            <a:r>
+              <a:rPr lang="en-US" dirty="0"/>
+              <a:t>Learn about </a:t>
+            </a:r>
+            <a:r>
+              <a:rPr lang="en-US" dirty="0" err="1"/>
+              <a:t>kafka</a:t>
+            </a:r>
+            <a:r>
+              <a:rPr lang="en-US" dirty="0"/>
+              <a:t> and libraries we use to transform messages and calculate metrics</a:t>
+            </a:r>
+          </a:p>
+          <a:p>
             <a:r>
               <a:rPr lang="en-US" dirty="0"/>
               <a:t>Elasticsearch</a:t>
+            </a:r>
+          </a:p>
+          <a:p>
+            <a:pPr lvl="1"/>
+            <a:r>
+              <a:rPr lang="en-US" dirty="0"/>
+              <a:t>Learn about one of our datastore. </a:t>
+            </a:r>
+          </a:p>
+          <a:p>
+            <a:r>
+              <a:rPr lang="en-US" dirty="0"/>
+              <a:t>E2E Demo</a:t>
+            </a:r>
+          </a:p>
+          <a:p>
+            <a:pPr lvl="1"/>
+            <a:r>
+              <a:rPr lang="en-US" dirty="0"/>
+              <a:t>Ties above concepts together and shows how we make our streaming data pipeline work</a:t>
             </a:r>
           </a:p>
         </p:txBody>
@@ -6846,7 +6900,7 @@
           <a:p>
             <a:r>
               <a:rPr lang="en-US" dirty="0"/>
-              <a:t>What is docker and why is it popular</a:t>
+              <a:t>What is docker and why we use it</a:t>
             </a:r>
           </a:p>
         </p:txBody>
